--- a/review/lecture-review-week-2.pptx
+++ b/review/lecture-review-week-2.pptx
@@ -12,9 +12,8 @@
     <p:sldId id="261" r:id="rId6"/>
     <p:sldId id="262" r:id="rId7"/>
     <p:sldId id="263" r:id="rId8"/>
-    <p:sldId id="264" r:id="rId9"/>
-    <p:sldId id="265" r:id="rId10"/>
-    <p:sldId id="267" r:id="rId11"/>
+    <p:sldId id="265" r:id="rId9"/>
+    <p:sldId id="267" r:id="rId10"/>
   </p:sldIdLst>
   <p:sldSz cx="12192000" cy="6858000"/>
   <p:notesSz cx="6858000" cy="9144000"/>
@@ -268,7 +267,7 @@
           <a:p>
             <a:fld id="{BCCA4D00-8A20-4344-9629-C2410E08CC07}" type="datetimeFigureOut">
               <a:rPr lang="en-US" smtClean="0"/>
-              <a:t>8/19/18</a:t>
+              <a:t>9/16/18</a:t>
             </a:fld>
             <a:endParaRPr lang="en-US"/>
           </a:p>
@@ -466,7 +465,7 @@
           <a:p>
             <a:fld id="{BCCA4D00-8A20-4344-9629-C2410E08CC07}" type="datetimeFigureOut">
               <a:rPr lang="en-US" smtClean="0"/>
-              <a:t>8/19/18</a:t>
+              <a:t>9/16/18</a:t>
             </a:fld>
             <a:endParaRPr lang="en-US"/>
           </a:p>
@@ -674,7 +673,7 @@
           <a:p>
             <a:fld id="{BCCA4D00-8A20-4344-9629-C2410E08CC07}" type="datetimeFigureOut">
               <a:rPr lang="en-US" smtClean="0"/>
-              <a:t>8/19/18</a:t>
+              <a:t>9/16/18</a:t>
             </a:fld>
             <a:endParaRPr lang="en-US"/>
           </a:p>
@@ -872,7 +871,7 @@
           <a:p>
             <a:fld id="{BCCA4D00-8A20-4344-9629-C2410E08CC07}" type="datetimeFigureOut">
               <a:rPr lang="en-US" smtClean="0"/>
-              <a:t>8/19/18</a:t>
+              <a:t>9/16/18</a:t>
             </a:fld>
             <a:endParaRPr lang="en-US"/>
           </a:p>
@@ -1147,7 +1146,7 @@
           <a:p>
             <a:fld id="{BCCA4D00-8A20-4344-9629-C2410E08CC07}" type="datetimeFigureOut">
               <a:rPr lang="en-US" smtClean="0"/>
-              <a:t>8/19/18</a:t>
+              <a:t>9/16/18</a:t>
             </a:fld>
             <a:endParaRPr lang="en-US"/>
           </a:p>
@@ -1412,7 +1411,7 @@
           <a:p>
             <a:fld id="{BCCA4D00-8A20-4344-9629-C2410E08CC07}" type="datetimeFigureOut">
               <a:rPr lang="en-US" smtClean="0"/>
-              <a:t>8/19/18</a:t>
+              <a:t>9/16/18</a:t>
             </a:fld>
             <a:endParaRPr lang="en-US"/>
           </a:p>
@@ -1824,7 +1823,7 @@
           <a:p>
             <a:fld id="{BCCA4D00-8A20-4344-9629-C2410E08CC07}" type="datetimeFigureOut">
               <a:rPr lang="en-US" smtClean="0"/>
-              <a:t>8/19/18</a:t>
+              <a:t>9/16/18</a:t>
             </a:fld>
             <a:endParaRPr lang="en-US"/>
           </a:p>
@@ -1965,7 +1964,7 @@
           <a:p>
             <a:fld id="{BCCA4D00-8A20-4344-9629-C2410E08CC07}" type="datetimeFigureOut">
               <a:rPr lang="en-US" smtClean="0"/>
-              <a:t>8/19/18</a:t>
+              <a:t>9/16/18</a:t>
             </a:fld>
             <a:endParaRPr lang="en-US"/>
           </a:p>
@@ -2078,7 +2077,7 @@
           <a:p>
             <a:fld id="{BCCA4D00-8A20-4344-9629-C2410E08CC07}" type="datetimeFigureOut">
               <a:rPr lang="en-US" smtClean="0"/>
-              <a:t>8/19/18</a:t>
+              <a:t>9/16/18</a:t>
             </a:fld>
             <a:endParaRPr lang="en-US"/>
           </a:p>
@@ -2389,7 +2388,7 @@
           <a:p>
             <a:fld id="{BCCA4D00-8A20-4344-9629-C2410E08CC07}" type="datetimeFigureOut">
               <a:rPr lang="en-US" smtClean="0"/>
-              <a:t>8/19/18</a:t>
+              <a:t>9/16/18</a:t>
             </a:fld>
             <a:endParaRPr lang="en-US"/>
           </a:p>
@@ -2677,7 +2676,7 @@
           <a:p>
             <a:fld id="{BCCA4D00-8A20-4344-9629-C2410E08CC07}" type="datetimeFigureOut">
               <a:rPr lang="en-US" smtClean="0"/>
-              <a:t>8/19/18</a:t>
+              <a:t>9/16/18</a:t>
             </a:fld>
             <a:endParaRPr lang="en-US"/>
           </a:p>
@@ -2918,7 +2917,7 @@
           <a:p>
             <a:fld id="{BCCA4D00-8A20-4344-9629-C2410E08CC07}" type="datetimeFigureOut">
               <a:rPr lang="en-US" smtClean="0"/>
-              <a:t>8/19/18</a:t>
+              <a:t>9/16/18</a:t>
             </a:fld>
             <a:endParaRPr lang="en-US"/>
           </a:p>
@@ -3476,158 +3475,6 @@
 </p:sld>
 </file>
 
-<file path=ppt/slides/slide10.xml><?xml version="1.0" encoding="utf-8"?>
-<p:sld xmlns:a="http://schemas.openxmlformats.org/drawingml/2006/main" xmlns:r="http://schemas.openxmlformats.org/officeDocument/2006/relationships" xmlns:p="http://schemas.openxmlformats.org/presentationml/2006/main">
-  <p:cSld>
-    <p:spTree>
-      <p:nvGrpSpPr>
-        <p:cNvPr id="1" name=""/>
-        <p:cNvGrpSpPr/>
-        <p:nvPr/>
-      </p:nvGrpSpPr>
-      <p:grpSpPr>
-        <a:xfrm>
-          <a:off x="0" y="0"/>
-          <a:ext cx="0" cy="0"/>
-          <a:chOff x="0" y="0"/>
-          <a:chExt cx="0" cy="0"/>
-        </a:xfrm>
-      </p:grpSpPr>
-      <p:sp>
-        <p:nvSpPr>
-          <p:cNvPr id="2" name="Title 1"/>
-          <p:cNvSpPr>
-            <a:spLocks noGrp="1"/>
-          </p:cNvSpPr>
-          <p:nvPr>
-            <p:ph type="title"/>
-          </p:nvPr>
-        </p:nvSpPr>
-        <p:spPr/>
-        <p:txBody>
-          <a:bodyPr/>
-          <a:lstStyle/>
-          <a:p>
-            <a:r>
-              <a:rPr lang="en-US" dirty="0"/>
-              <a:t>Homework</a:t>
-            </a:r>
-          </a:p>
-        </p:txBody>
-      </p:sp>
-      <p:sp>
-        <p:nvSpPr>
-          <p:cNvPr id="3" name="Content Placeholder 2"/>
-          <p:cNvSpPr>
-            <a:spLocks noGrp="1"/>
-          </p:cNvSpPr>
-          <p:nvPr>
-            <p:ph idx="1"/>
-          </p:nvPr>
-        </p:nvSpPr>
-        <p:spPr/>
-        <p:txBody>
-          <a:bodyPr/>
-          <a:lstStyle/>
-          <a:p>
-            <a:r>
-              <a:rPr lang="en-US" dirty="0"/>
-              <a:t>Assignment 2: Shell scripting</a:t>
-            </a:r>
-          </a:p>
-          <a:p>
-            <a:r>
-              <a:rPr lang="en-US" dirty="0"/>
-              <a:t>Read </a:t>
-            </a:r>
-            <a:r>
-              <a:rPr lang="en-US" i="1" dirty="0"/>
-              <a:t>Infrastructure as Code </a:t>
-            </a:r>
-            <a:r>
-              <a:rPr lang="en-US" dirty="0"/>
-              <a:t>Chapters 1 &amp; 2</a:t>
-            </a:r>
-          </a:p>
-          <a:p>
-            <a:r>
-              <a:rPr lang="en-US" dirty="0"/>
-              <a:t>Watch Lecture 3 videos.</a:t>
-            </a:r>
-          </a:p>
-          <a:p>
-            <a:endParaRPr lang="en-US" dirty="0"/>
-          </a:p>
-          <a:p>
-            <a:pPr marL="0" indent="0">
-              <a:buNone/>
-            </a:pPr>
-            <a:r>
-              <a:rPr lang="en-US" b="1" dirty="0"/>
-              <a:t>* Make sure you email me your GitHub </a:t>
-            </a:r>
-            <a:r>
-              <a:rPr lang="en-US" b="1"/>
-              <a:t>account name.</a:t>
-            </a:r>
-            <a:endParaRPr lang="en-US" dirty="0"/>
-          </a:p>
-          <a:p>
-            <a:pPr marL="0" indent="0">
-              <a:buNone/>
-            </a:pPr>
-            <a:r>
-              <a:rPr lang="en-US" dirty="0"/>
-              <a:t>** </a:t>
-            </a:r>
-            <a:r>
-              <a:rPr lang="en-US" b="1" dirty="0"/>
-              <a:t>Remember to use Slack channel for questions</a:t>
-            </a:r>
-            <a:r>
-              <a:rPr lang="en-US" dirty="0"/>
-              <a:t>! </a:t>
-            </a:r>
-          </a:p>
-        </p:txBody>
-      </p:sp>
-      <p:pic>
-        <p:nvPicPr>
-          <p:cNvPr id="4" name="Picture 3"/>
-          <p:cNvPicPr>
-            <a:picLocks noChangeAspect="1"/>
-          </p:cNvPicPr>
-          <p:nvPr/>
-        </p:nvPicPr>
-        <p:blipFill>
-          <a:blip r:embed="rId2"/>
-          <a:stretch>
-            <a:fillRect/>
-          </a:stretch>
-        </p:blipFill>
-        <p:spPr>
-          <a:xfrm>
-            <a:off x="9417896" y="4085107"/>
-            <a:ext cx="859521" cy="859521"/>
-          </a:xfrm>
-          <a:prstGeom prst="rect">
-            <a:avLst/>
-          </a:prstGeom>
-        </p:spPr>
-      </p:pic>
-    </p:spTree>
-    <p:extLst>
-      <p:ext uri="{BB962C8B-B14F-4D97-AF65-F5344CB8AC3E}">
-        <p14:creationId xmlns:p14="http://schemas.microsoft.com/office/powerpoint/2010/main" val="2066220181"/>
-      </p:ext>
-    </p:extLst>
-  </p:cSld>
-  <p:clrMapOvr>
-    <a:masterClrMapping/>
-  </p:clrMapOvr>
-</p:sld>
-</file>
-
 <file path=ppt/slides/slide2.xml><?xml version="1.0" encoding="utf-8"?>
 <p:sld xmlns:a="http://schemas.openxmlformats.org/drawingml/2006/main" xmlns:r="http://schemas.openxmlformats.org/officeDocument/2006/relationships" xmlns:p="http://schemas.openxmlformats.org/presentationml/2006/main">
   <p:cSld>
@@ -3713,12 +3560,6 @@
             <a:r>
               <a:rPr lang="en-US" dirty="0"/>
               <a:t>Linux fundamentals</a:t>
-            </a:r>
-          </a:p>
-          <a:p>
-            <a:r>
-              <a:rPr lang="en-US" dirty="0"/>
-              <a:t>Launching a Linux instance on AWS</a:t>
             </a:r>
           </a:p>
           <a:p>
@@ -3889,15 +3730,7 @@
           <a:p>
             <a:r>
               <a:rPr lang="en-US" dirty="0"/>
-              <a:t>I will publish any assignment changes to </a:t>
-            </a:r>
-            <a:r>
-              <a:rPr lang="en-US" dirty="0" err="1"/>
-              <a:t>Github</a:t>
-            </a:r>
-            <a:r>
-              <a:rPr lang="en-US" dirty="0"/>
-              <a:t> and Slack.</a:t>
+              <a:t>I will publish any assignment changes to GitHub and Slack.</a:t>
             </a:r>
           </a:p>
           <a:p>
@@ -4651,7 +4484,15 @@
             <a:pPr lvl="1"/>
             <a:r>
               <a:rPr lang="en-US" dirty="0"/>
-              <a:t>Install new service: yum install </a:t>
+              <a:t>Install new service: </a:t>
+            </a:r>
+            <a:r>
+              <a:rPr lang="en-US" dirty="0" err="1"/>
+              <a:t>sudo</a:t>
+            </a:r>
+            <a:r>
+              <a:rPr lang="en-US" dirty="0"/>
+              <a:t> yum install </a:t>
             </a:r>
             <a:r>
               <a:rPr lang="en-US" dirty="0" err="1"/>
@@ -4663,7 +4504,15 @@
             <a:pPr lvl="1"/>
             <a:r>
               <a:rPr lang="en-US" dirty="0"/>
-              <a:t>Start service: service start </a:t>
+              <a:t>Start service: </a:t>
+            </a:r>
+            <a:r>
+              <a:rPr lang="en-US" dirty="0" err="1"/>
+              <a:t>sudo</a:t>
+            </a:r>
+            <a:r>
+              <a:rPr lang="en-US" dirty="0"/>
+              <a:t> service start </a:t>
             </a:r>
             <a:r>
               <a:rPr lang="en-US" dirty="0" err="1"/>
@@ -4712,7 +4561,7 @@
           <p:cNvPr id="2" name="Title 1">
             <a:extLst>
               <a:ext uri="{FF2B5EF4-FFF2-40B4-BE49-F238E27FC236}">
-                <a16:creationId xmlns:a16="http://schemas.microsoft.com/office/drawing/2014/main" id="{23C798AC-C83E-4D42-9069-65F21DAFDA58}"/>
+                <a16:creationId xmlns:a16="http://schemas.microsoft.com/office/drawing/2014/main" id="{B9396E93-B093-A14B-B3CA-BF43E8441E14}"/>
               </a:ext>
             </a:extLst>
           </p:cNvPr>
@@ -4730,7 +4579,7 @@
           <a:p>
             <a:r>
               <a:rPr lang="en-US" dirty="0"/>
-              <a:t>Launching an EC2 instance</a:t>
+              <a:t>Classroom project</a:t>
             </a:r>
           </a:p>
         </p:txBody>
@@ -4740,7 +4589,7 @@
           <p:cNvPr id="3" name="Content Placeholder 2">
             <a:extLst>
               <a:ext uri="{FF2B5EF4-FFF2-40B4-BE49-F238E27FC236}">
-                <a16:creationId xmlns:a16="http://schemas.microsoft.com/office/drawing/2014/main" id="{58C16431-10DD-B949-A16E-54F04004412C}"/>
+                <a16:creationId xmlns:a16="http://schemas.microsoft.com/office/drawing/2014/main" id="{E5096A85-5219-D442-A525-F0D4BD82BD71}"/>
               </a:ext>
             </a:extLst>
           </p:cNvPr>
@@ -4751,90 +4600,77 @@
             <p:ph idx="1"/>
           </p:nvPr>
         </p:nvSpPr>
-        <p:spPr>
-          <a:xfrm>
-            <a:off x="838199" y="1825625"/>
-            <a:ext cx="11110993" cy="4351338"/>
-          </a:xfrm>
-        </p:spPr>
+        <p:spPr/>
         <p:txBody>
           <a:bodyPr>
-            <a:normAutofit/>
+            <a:normAutofit lnSpcReduction="10000"/>
           </a:bodyPr>
           <a:lstStyle/>
           <a:p>
             <a:r>
-              <a:rPr lang="en-US" sz="2400" dirty="0"/>
-              <a:t>Accessing EC2 instance from a Windows PC: </a:t>
+              <a:rPr lang="en-US" dirty="0"/>
+              <a:t>Attendance</a:t>
+            </a:r>
+          </a:p>
+          <a:p>
+            <a:endParaRPr lang="en-US" dirty="0"/>
+          </a:p>
+          <a:p>
+            <a:r>
+              <a:rPr lang="en-US" dirty="0"/>
+              <a:t>Hands-on Linux and Git exercise.</a:t>
+            </a:r>
+          </a:p>
+          <a:p>
+            <a:endParaRPr lang="en-US" dirty="0"/>
+          </a:p>
+          <a:p>
+            <a:r>
+              <a:rPr lang="en-US" dirty="0"/>
+              <a:t>You must have:</a:t>
             </a:r>
           </a:p>
           <a:p>
             <a:pPr lvl="1"/>
             <a:r>
               <a:rPr lang="en-US" dirty="0"/>
-              <a:t>Must have SSH terminal program installed </a:t>
+              <a:t>AWS account</a:t>
+            </a:r>
+          </a:p>
+          <a:p>
+            <a:pPr lvl="1"/>
+            <a:r>
+              <a:rPr lang="en-US" dirty="0"/>
+              <a:t>GitHub account</a:t>
+            </a:r>
+          </a:p>
+          <a:p>
+            <a:pPr lvl="1"/>
+            <a:r>
+              <a:rPr lang="en-US" dirty="0"/>
+              <a:t>Remote terminal software installed:</a:t>
             </a:r>
           </a:p>
           <a:p>
             <a:pPr lvl="2"/>
             <a:r>
-              <a:rPr lang="en-US" sz="2400" dirty="0" err="1"/>
-              <a:t>PuTTY</a:t>
-            </a:r>
-            <a:r>
-              <a:rPr lang="en-US" sz="2400" dirty="0"/>
-              <a:t>: </a:t>
-            </a:r>
-            <a:r>
-              <a:rPr lang="en-US" sz="2400" dirty="0">
-                <a:hlinkClick r:id="rId2"/>
-              </a:rPr>
-              <a:t>https://www.chiark.greenend.org.uk/~sgtatham/putty/</a:t>
-            </a:r>
-            <a:endParaRPr lang="en-US" sz="2400" dirty="0"/>
-          </a:p>
-          <a:p>
-            <a:pPr lvl="1"/>
-            <a:r>
-              <a:rPr lang="en-US" dirty="0">
-                <a:hlinkClick r:id="rId3"/>
-              </a:rPr>
-              <a:t>https://youtu.be/HOlo7L9fWlc</a:t>
-            </a:r>
-            <a:endParaRPr lang="en-US" dirty="0"/>
-          </a:p>
-          <a:p>
-            <a:endParaRPr lang="en-US" sz="2400" dirty="0"/>
-          </a:p>
-          <a:p>
-            <a:r>
-              <a:rPr lang="en-US" sz="2400" dirty="0"/>
-              <a:t>Accessing EC2 instance from a Mac: </a:t>
-            </a:r>
-          </a:p>
-          <a:p>
-            <a:pPr lvl="1"/>
-            <a:r>
-              <a:rPr lang="en-US" sz="2000" dirty="0"/>
-              <a:t>Recommend using iterm2 software (https://www.iterm2.com/)</a:t>
-            </a:r>
-          </a:p>
-          <a:p>
-            <a:pPr lvl="1"/>
-            <a:r>
-              <a:rPr lang="en-US" sz="2000" dirty="0">
-                <a:hlinkClick r:id="rId4"/>
-              </a:rPr>
-              <a:t>https://youtu.be/ZFh-qA5DT6w</a:t>
-            </a:r>
-            <a:endParaRPr lang="en-US" sz="2000" dirty="0"/>
+              <a:rPr lang="en-US" dirty="0"/>
+              <a:t>Windows: Git for Windows</a:t>
+            </a:r>
+          </a:p>
+          <a:p>
+            <a:pPr lvl="2"/>
+            <a:r>
+              <a:rPr lang="en-US" dirty="0"/>
+              <a:t>Mac: iTerm2</a:t>
+            </a:r>
           </a:p>
         </p:txBody>
       </p:sp>
     </p:spTree>
     <p:extLst>
       <p:ext uri="{BB962C8B-B14F-4D97-AF65-F5344CB8AC3E}">
-        <p14:creationId xmlns:p14="http://schemas.microsoft.com/office/powerpoint/2010/main" val="175430078"/>
+        <p14:creationId xmlns:p14="http://schemas.microsoft.com/office/powerpoint/2010/main" val="340917574"/>
       </p:ext>
     </p:extLst>
   </p:cSld>
@@ -4863,13 +4699,7 @@
       </p:grpSpPr>
       <p:sp>
         <p:nvSpPr>
-          <p:cNvPr id="2" name="Title 1">
-            <a:extLst>
-              <a:ext uri="{FF2B5EF4-FFF2-40B4-BE49-F238E27FC236}">
-                <a16:creationId xmlns:a16="http://schemas.microsoft.com/office/drawing/2014/main" id="{B9396E93-B093-A14B-B3CA-BF43E8441E14}"/>
-              </a:ext>
-            </a:extLst>
-          </p:cNvPr>
+          <p:cNvPr id="2" name="Title 1"/>
           <p:cNvSpPr>
             <a:spLocks noGrp="1"/>
           </p:cNvSpPr>
@@ -4884,20 +4714,14 @@
           <a:p>
             <a:r>
               <a:rPr lang="en-US" dirty="0"/>
-              <a:t>Classroom project</a:t>
-            </a:r>
-          </a:p>
-        </p:txBody>
-      </p:sp>
-      <p:sp>
-        <p:nvSpPr>
-          <p:cNvPr id="3" name="Content Placeholder 2">
-            <a:extLst>
-              <a:ext uri="{FF2B5EF4-FFF2-40B4-BE49-F238E27FC236}">
-                <a16:creationId xmlns:a16="http://schemas.microsoft.com/office/drawing/2014/main" id="{E5096A85-5219-D442-A525-F0D4BD82BD71}"/>
-              </a:ext>
-            </a:extLst>
-          </p:cNvPr>
+              <a:t>Homework</a:t>
+            </a:r>
+          </a:p>
+        </p:txBody>
+      </p:sp>
+      <p:sp>
+        <p:nvSpPr>
+          <p:cNvPr id="3" name="Content Placeholder 2"/>
           <p:cNvSpPr>
             <a:spLocks noGrp="1"/>
           </p:cNvSpPr>
@@ -4912,62 +4736,89 @@
           <a:p>
             <a:r>
               <a:rPr lang="en-US" dirty="0"/>
-              <a:t>Attendance</a:t>
-            </a:r>
-          </a:p>
-          <a:p>
-            <a:endParaRPr lang="en-US"/>
-          </a:p>
-          <a:p>
-            <a:r>
-              <a:rPr lang="en-US"/>
-              <a:t>Hands-on </a:t>
-            </a:r>
-            <a:r>
-              <a:rPr lang="en-US" dirty="0"/>
-              <a:t>Linux and Git exercise.</a:t>
+              <a:t>Assignment 2: Shell scripting</a:t>
+            </a:r>
+          </a:p>
+          <a:p>
+            <a:r>
+              <a:rPr lang="en-US" dirty="0"/>
+              <a:t>Read </a:t>
+            </a:r>
+            <a:r>
+              <a:rPr lang="en-US" i="1" dirty="0"/>
+              <a:t>Infrastructure as Code </a:t>
+            </a:r>
+            <a:r>
+              <a:rPr lang="en-US" dirty="0"/>
+              <a:t>Chapters 1 &amp; 2</a:t>
+            </a:r>
+          </a:p>
+          <a:p>
+            <a:r>
+              <a:rPr lang="en-US" dirty="0"/>
+              <a:t>Watch Lecture 3 videos.</a:t>
             </a:r>
           </a:p>
           <a:p>
             <a:endParaRPr lang="en-US" dirty="0"/>
           </a:p>
           <a:p>
-            <a:r>
-              <a:rPr lang="en-US" dirty="0"/>
-              <a:t>You must have:</a:t>
-            </a:r>
-          </a:p>
-          <a:p>
-            <a:pPr lvl="1"/>
-            <a:r>
-              <a:rPr lang="en-US" dirty="0"/>
-              <a:t>AWS account</a:t>
-            </a:r>
-          </a:p>
-          <a:p>
-            <a:pPr lvl="1"/>
-            <a:r>
-              <a:rPr lang="en-US" dirty="0" err="1"/>
-              <a:t>Github</a:t>
-            </a:r>
-            <a:r>
-              <a:rPr lang="en-US" dirty="0"/>
-              <a:t> account</a:t>
-            </a:r>
-          </a:p>
-          <a:p>
-            <a:pPr lvl="1"/>
-            <a:r>
-              <a:rPr lang="en-US" dirty="0"/>
-              <a:t>Putty/ iterm2 installed</a:t>
-            </a:r>
-          </a:p>
-        </p:txBody>
-      </p:sp>
+            <a:pPr marL="0" indent="0">
+              <a:buNone/>
+            </a:pPr>
+            <a:r>
+              <a:rPr lang="en-US" b="1" dirty="0"/>
+              <a:t>* Make sure you email me your GitHub account name.</a:t>
+            </a:r>
+            <a:endParaRPr lang="en-US" dirty="0"/>
+          </a:p>
+          <a:p>
+            <a:pPr marL="0" indent="0">
+              <a:buNone/>
+            </a:pPr>
+            <a:r>
+              <a:rPr lang="en-US" dirty="0"/>
+              <a:t>** </a:t>
+            </a:r>
+            <a:r>
+              <a:rPr lang="en-US" b="1" dirty="0"/>
+              <a:t>Remember to use Slack channel for questions</a:t>
+            </a:r>
+            <a:r>
+              <a:rPr lang="en-US" dirty="0"/>
+              <a:t>! </a:t>
+            </a:r>
+          </a:p>
+        </p:txBody>
+      </p:sp>
+      <p:pic>
+        <p:nvPicPr>
+          <p:cNvPr id="4" name="Picture 3"/>
+          <p:cNvPicPr>
+            <a:picLocks noChangeAspect="1"/>
+          </p:cNvPicPr>
+          <p:nvPr/>
+        </p:nvPicPr>
+        <p:blipFill>
+          <a:blip r:embed="rId2"/>
+          <a:stretch>
+            <a:fillRect/>
+          </a:stretch>
+        </p:blipFill>
+        <p:spPr>
+          <a:xfrm>
+            <a:off x="9417896" y="4085107"/>
+            <a:ext cx="859521" cy="859521"/>
+          </a:xfrm>
+          <a:prstGeom prst="rect">
+            <a:avLst/>
+          </a:prstGeom>
+        </p:spPr>
+      </p:pic>
     </p:spTree>
     <p:extLst>
       <p:ext uri="{BB962C8B-B14F-4D97-AF65-F5344CB8AC3E}">
-        <p14:creationId xmlns:p14="http://schemas.microsoft.com/office/powerpoint/2010/main" val="340917574"/>
+        <p14:creationId xmlns:p14="http://schemas.microsoft.com/office/powerpoint/2010/main" val="2066220181"/>
       </p:ext>
     </p:extLst>
   </p:cSld>

--- a/review/lecture-review-week-2.pptx
+++ b/review/lecture-review-week-2.pptx
@@ -9,11 +9,9 @@
     <p:sldId id="259" r:id="rId3"/>
     <p:sldId id="268" r:id="rId4"/>
     <p:sldId id="260" r:id="rId5"/>
-    <p:sldId id="261" r:id="rId6"/>
-    <p:sldId id="262" r:id="rId7"/>
-    <p:sldId id="263" r:id="rId8"/>
-    <p:sldId id="265" r:id="rId9"/>
-    <p:sldId id="267" r:id="rId10"/>
+    <p:sldId id="262" r:id="rId6"/>
+    <p:sldId id="265" r:id="rId7"/>
+    <p:sldId id="267" r:id="rId8"/>
   </p:sldIdLst>
   <p:sldSz cx="12192000" cy="6858000"/>
   <p:notesSz cx="6858000" cy="9144000"/>
@@ -267,7 +265,7 @@
           <a:p>
             <a:fld id="{BCCA4D00-8A20-4344-9629-C2410E08CC07}" type="datetimeFigureOut">
               <a:rPr lang="en-US" smtClean="0"/>
-              <a:t>9/16/18</a:t>
+              <a:t>7/15/19</a:t>
             </a:fld>
             <a:endParaRPr lang="en-US"/>
           </a:p>
@@ -465,7 +463,7 @@
           <a:p>
             <a:fld id="{BCCA4D00-8A20-4344-9629-C2410E08CC07}" type="datetimeFigureOut">
               <a:rPr lang="en-US" smtClean="0"/>
-              <a:t>9/16/18</a:t>
+              <a:t>7/15/19</a:t>
             </a:fld>
             <a:endParaRPr lang="en-US"/>
           </a:p>
@@ -673,7 +671,7 @@
           <a:p>
             <a:fld id="{BCCA4D00-8A20-4344-9629-C2410E08CC07}" type="datetimeFigureOut">
               <a:rPr lang="en-US" smtClean="0"/>
-              <a:t>9/16/18</a:t>
+              <a:t>7/15/19</a:t>
             </a:fld>
             <a:endParaRPr lang="en-US"/>
           </a:p>
@@ -871,7 +869,7 @@
           <a:p>
             <a:fld id="{BCCA4D00-8A20-4344-9629-C2410E08CC07}" type="datetimeFigureOut">
               <a:rPr lang="en-US" smtClean="0"/>
-              <a:t>9/16/18</a:t>
+              <a:t>7/15/19</a:t>
             </a:fld>
             <a:endParaRPr lang="en-US"/>
           </a:p>
@@ -1146,7 +1144,7 @@
           <a:p>
             <a:fld id="{BCCA4D00-8A20-4344-9629-C2410E08CC07}" type="datetimeFigureOut">
               <a:rPr lang="en-US" smtClean="0"/>
-              <a:t>9/16/18</a:t>
+              <a:t>7/15/19</a:t>
             </a:fld>
             <a:endParaRPr lang="en-US"/>
           </a:p>
@@ -1411,7 +1409,7 @@
           <a:p>
             <a:fld id="{BCCA4D00-8A20-4344-9629-C2410E08CC07}" type="datetimeFigureOut">
               <a:rPr lang="en-US" smtClean="0"/>
-              <a:t>9/16/18</a:t>
+              <a:t>7/15/19</a:t>
             </a:fld>
             <a:endParaRPr lang="en-US"/>
           </a:p>
@@ -1823,7 +1821,7 @@
           <a:p>
             <a:fld id="{BCCA4D00-8A20-4344-9629-C2410E08CC07}" type="datetimeFigureOut">
               <a:rPr lang="en-US" smtClean="0"/>
-              <a:t>9/16/18</a:t>
+              <a:t>7/15/19</a:t>
             </a:fld>
             <a:endParaRPr lang="en-US"/>
           </a:p>
@@ -1964,7 +1962,7 @@
           <a:p>
             <a:fld id="{BCCA4D00-8A20-4344-9629-C2410E08CC07}" type="datetimeFigureOut">
               <a:rPr lang="en-US" smtClean="0"/>
-              <a:t>9/16/18</a:t>
+              <a:t>7/15/19</a:t>
             </a:fld>
             <a:endParaRPr lang="en-US"/>
           </a:p>
@@ -2077,7 +2075,7 @@
           <a:p>
             <a:fld id="{BCCA4D00-8A20-4344-9629-C2410E08CC07}" type="datetimeFigureOut">
               <a:rPr lang="en-US" smtClean="0"/>
-              <a:t>9/16/18</a:t>
+              <a:t>7/15/19</a:t>
             </a:fld>
             <a:endParaRPr lang="en-US"/>
           </a:p>
@@ -2388,7 +2386,7 @@
           <a:p>
             <a:fld id="{BCCA4D00-8A20-4344-9629-C2410E08CC07}" type="datetimeFigureOut">
               <a:rPr lang="en-US" smtClean="0"/>
-              <a:t>9/16/18</a:t>
+              <a:t>7/15/19</a:t>
             </a:fld>
             <a:endParaRPr lang="en-US"/>
           </a:p>
@@ -2676,7 +2674,7 @@
           <a:p>
             <a:fld id="{BCCA4D00-8A20-4344-9629-C2410E08CC07}" type="datetimeFigureOut">
               <a:rPr lang="en-US" smtClean="0"/>
-              <a:t>9/16/18</a:t>
+              <a:t>7/15/19</a:t>
             </a:fld>
             <a:endParaRPr lang="en-US"/>
           </a:p>
@@ -2917,7 +2915,7 @@
           <a:p>
             <a:fld id="{BCCA4D00-8A20-4344-9629-C2410E08CC07}" type="datetimeFigureOut">
               <a:rPr lang="en-US" smtClean="0"/>
-              <a:t>9/16/18</a:t>
+              <a:t>7/15/19</a:t>
             </a:fld>
             <a:endParaRPr lang="en-US"/>
           </a:p>
@@ -3847,51 +3845,7 @@
             <a:pPr lvl="1"/>
             <a:r>
               <a:rPr lang="en-US" dirty="0"/>
-              <a:t>Make processes faster, more reliable, and less costly</a:t>
-            </a:r>
-          </a:p>
-          <a:p>
-            <a:pPr lvl="1"/>
-            <a:r>
-              <a:rPr lang="en-US" dirty="0"/>
-              <a:t>Tool building vs. automation</a:t>
-            </a:r>
-          </a:p>
-          <a:p>
-            <a:pPr lvl="1"/>
-            <a:r>
-              <a:rPr lang="en-US" dirty="0"/>
               <a:t>Focus on automating constraints first</a:t>
-            </a:r>
-          </a:p>
-          <a:p>
-            <a:endParaRPr lang="en-US" dirty="0"/>
-          </a:p>
-          <a:p>
-            <a:r>
-              <a:rPr lang="en-US" dirty="0"/>
-              <a:t>Shell scripting</a:t>
-            </a:r>
-          </a:p>
-          <a:p>
-            <a:pPr lvl="1"/>
-            <a:r>
-              <a:rPr lang="en-US" dirty="0"/>
-              <a:t>Simple procedural programs executed from top-to-bottom</a:t>
-            </a:r>
-          </a:p>
-          <a:p>
-            <a:pPr lvl="1"/>
-            <a:r>
-              <a:rPr lang="en-US" dirty="0"/>
-              <a:t>We can run these on any OS</a:t>
-            </a:r>
-          </a:p>
-          <a:p>
-            <a:pPr lvl="1"/>
-            <a:r>
-              <a:rPr lang="en-US" dirty="0"/>
-              <a:t>BASH shell: interactive command line interpreter</a:t>
             </a:r>
           </a:p>
           <a:p>
@@ -3901,7 +3855,54 @@
             <a:endParaRPr lang="en-US" dirty="0"/>
           </a:p>
           <a:p>
+            <a:r>
+              <a:rPr lang="en-US" dirty="0"/>
+              <a:t>Writing shell scripts</a:t>
+            </a:r>
+          </a:p>
+          <a:p>
             <a:pPr lvl="1"/>
+            <a:r>
+              <a:rPr lang="en-US" dirty="0"/>
+              <a:t>Shell text files must begin with #!/bin/bash</a:t>
+            </a:r>
+          </a:p>
+          <a:p>
+            <a:pPr lvl="1"/>
+            <a:r>
+              <a:rPr lang="en-US" dirty="0"/>
+              <a:t>Variables are not typed</a:t>
+            </a:r>
+          </a:p>
+          <a:p>
+            <a:pPr lvl="1"/>
+            <a:r>
+              <a:rPr lang="en-US" dirty="0"/>
+              <a:t>Set and print a value (spaces matter!)</a:t>
+            </a:r>
+          </a:p>
+          <a:p>
+            <a:pPr lvl="1"/>
+            <a:r>
+              <a:rPr lang="en-US" dirty="0"/>
+              <a:t>Special built-in environment variables: $HOSTNAME, $1, $2, $3….</a:t>
+            </a:r>
+          </a:p>
+          <a:p>
+            <a:pPr lvl="1"/>
+            <a:r>
+              <a:rPr lang="en-US" dirty="0"/>
+              <a:t>Conditionals</a:t>
+            </a:r>
+          </a:p>
+          <a:p>
+            <a:pPr lvl="1"/>
+            <a:r>
+              <a:rPr lang="en-US" dirty="0"/>
+              <a:t>Loops</a:t>
+            </a:r>
+          </a:p>
+          <a:p>
             <a:endParaRPr lang="en-US" dirty="0"/>
           </a:p>
         </p:txBody>
@@ -3941,7 +3942,7 @@
           <p:cNvPr id="2" name="Title 1">
             <a:extLst>
               <a:ext uri="{FF2B5EF4-FFF2-40B4-BE49-F238E27FC236}">
-                <a16:creationId xmlns:a16="http://schemas.microsoft.com/office/drawing/2014/main" id="{A033D01D-7A37-0549-BEEF-7BB6DDD72D31}"/>
+                <a16:creationId xmlns:a16="http://schemas.microsoft.com/office/drawing/2014/main" id="{6A404036-220F-C042-816E-D9472B8EE88D}"/>
               </a:ext>
             </a:extLst>
           </p:cNvPr>
@@ -3969,7 +3970,7 @@
           <p:cNvPr id="3" name="Content Placeholder 2">
             <a:extLst>
               <a:ext uri="{FF2B5EF4-FFF2-40B4-BE49-F238E27FC236}">
-                <a16:creationId xmlns:a16="http://schemas.microsoft.com/office/drawing/2014/main" id="{B53DE423-88A3-D640-9F82-4342BFA31095}"/>
+                <a16:creationId xmlns:a16="http://schemas.microsoft.com/office/drawing/2014/main" id="{629253E4-97A2-1847-BE69-53B2CDCAE17D}"/>
               </a:ext>
             </a:extLst>
           </p:cNvPr>
@@ -3983,102 +3984,114 @@
         <p:spPr/>
         <p:txBody>
           <a:bodyPr>
-            <a:normAutofit lnSpcReduction="10000"/>
+            <a:normAutofit fontScale="92500" lnSpcReduction="10000"/>
           </a:bodyPr>
           <a:lstStyle/>
           <a:p>
             <a:r>
               <a:rPr lang="en-US" dirty="0"/>
-              <a:t>Writing shell scripts</a:t>
+              <a:t>Linux</a:t>
             </a:r>
           </a:p>
           <a:p>
             <a:pPr lvl="1"/>
             <a:r>
               <a:rPr lang="en-US" dirty="0"/>
-              <a:t>Shell text files must begin with #!/bin/bash</a:t>
+              <a:t>Linux file system</a:t>
             </a:r>
           </a:p>
           <a:p>
             <a:pPr lvl="1"/>
             <a:r>
               <a:rPr lang="en-US" dirty="0"/>
-              <a:t>Variables are not typed</a:t>
+              <a:t>Linux file permissions</a:t>
             </a:r>
           </a:p>
           <a:p>
             <a:pPr lvl="1"/>
             <a:r>
               <a:rPr lang="en-US" dirty="0"/>
-              <a:t>Set and print a value (spaces matter!):</a:t>
+              <a:t>File names are case sensitive, dot extensions are meaningless</a:t>
+            </a:r>
+          </a:p>
+          <a:p>
+            <a:pPr lvl="1"/>
+            <a:r>
+              <a:rPr lang="en-US" dirty="0"/>
+              <a:t>File system commands:</a:t>
             </a:r>
           </a:p>
           <a:p>
             <a:pPr lvl="2"/>
             <a:r>
               <a:rPr lang="en-US" dirty="0"/>
-              <a:t>X="hello"</a:t>
-            </a:r>
-          </a:p>
-          <a:p>
-            <a:pPr lvl="2"/>
-            <a:r>
-              <a:rPr lang="en-US" dirty="0"/>
-              <a:t>echo $X</a:t>
+              <a:t>ls, cd, </a:t>
+            </a:r>
+            <a:r>
+              <a:rPr lang="en-US" dirty="0" err="1"/>
+              <a:t>pwd</a:t>
+            </a:r>
+            <a:r>
+              <a:rPr lang="en-US" dirty="0"/>
+              <a:t>, </a:t>
+            </a:r>
+            <a:r>
+              <a:rPr lang="en-US" dirty="0" err="1"/>
+              <a:t>mkdir</a:t>
+            </a:r>
+            <a:r>
+              <a:rPr lang="en-US" dirty="0"/>
+              <a:t>, touch, cp, rm, mv, </a:t>
+            </a:r>
+            <a:r>
+              <a:rPr lang="en-US" dirty="0" err="1"/>
+              <a:t>chown</a:t>
+            </a:r>
+            <a:r>
+              <a:rPr lang="en-US" dirty="0"/>
+              <a:t>, </a:t>
+            </a:r>
+            <a:r>
+              <a:rPr lang="en-US" dirty="0" err="1"/>
+              <a:t>chmod</a:t>
+            </a:r>
+            <a:r>
+              <a:rPr lang="en-US" dirty="0"/>
+              <a:t>, </a:t>
+            </a:r>
+            <a:r>
+              <a:rPr lang="en-US" dirty="0" err="1"/>
+              <a:t>nano</a:t>
+            </a:r>
+            <a:endParaRPr lang="en-US" dirty="0"/>
+          </a:p>
+          <a:p>
+            <a:endParaRPr lang="en-US" dirty="0"/>
+          </a:p>
+          <a:p>
+            <a:r>
+              <a:rPr lang="en-US" dirty="0"/>
+              <a:t>IO redirection</a:t>
             </a:r>
           </a:p>
           <a:p>
             <a:pPr lvl="1"/>
             <a:r>
               <a:rPr lang="en-US" dirty="0"/>
-              <a:t>Special built-in variables: $HOSTNAME, $1, $2, $3….</a:t>
+              <a:t>Redirect output (&gt;), Redirect input (&lt;), Pipe (|)</a:t>
             </a:r>
           </a:p>
           <a:p>
             <a:pPr lvl="1"/>
-            <a:r>
-              <a:rPr lang="en-US" dirty="0"/>
-              <a:t>Conditionals:</a:t>
-            </a:r>
-          </a:p>
-          <a:p>
-            <a:pPr lvl="2"/>
-            <a:r>
-              <a:rPr lang="en-US" dirty="0"/>
-              <a:t>if-then-</a:t>
-            </a:r>
-            <a:r>
-              <a:rPr lang="en-US" dirty="0" err="1"/>
-              <a:t>elif</a:t>
-            </a:r>
-            <a:r>
-              <a:rPr lang="en-US" dirty="0"/>
-              <a:t>-else</a:t>
-            </a:r>
-          </a:p>
-          <a:p>
-            <a:pPr lvl="1"/>
-            <a:r>
-              <a:rPr lang="en-US" dirty="0"/>
-              <a:t>Loops:</a:t>
-            </a:r>
-          </a:p>
-          <a:p>
-            <a:pPr lvl="2"/>
-            <a:r>
-              <a:rPr lang="en-US" dirty="0"/>
-              <a:t>for-done</a:t>
-            </a:r>
-          </a:p>
-          <a:p>
-            <a:pPr lvl="2"/>
-            <a:r>
-              <a:rPr lang="en-US" dirty="0"/>
-              <a:t>while-do-done</a:t>
-            </a:r>
-          </a:p>
-          <a:p>
-            <a:pPr lvl="1"/>
+            <a:endParaRPr lang="en-US" dirty="0"/>
+          </a:p>
+          <a:p>
+            <a:r>
+              <a:rPr lang="en-US" dirty="0"/>
+              <a:t>Service management</a:t>
+            </a:r>
+          </a:p>
+          <a:p>
             <a:endParaRPr lang="en-US" dirty="0"/>
           </a:p>
         </p:txBody>
@@ -4086,7 +4099,7 @@
     </p:spTree>
     <p:extLst>
       <p:ext uri="{BB962C8B-B14F-4D97-AF65-F5344CB8AC3E}">
-        <p14:creationId xmlns:p14="http://schemas.microsoft.com/office/powerpoint/2010/main" val="3964343309"/>
+        <p14:creationId xmlns:p14="http://schemas.microsoft.com/office/powerpoint/2010/main" val="2865591885"/>
       </p:ext>
     </p:extLst>
   </p:cSld>
@@ -4118,7 +4131,7 @@
           <p:cNvPr id="2" name="Title 1">
             <a:extLst>
               <a:ext uri="{FF2B5EF4-FFF2-40B4-BE49-F238E27FC236}">
-                <a16:creationId xmlns:a16="http://schemas.microsoft.com/office/drawing/2014/main" id="{6A404036-220F-C042-816E-D9472B8EE88D}"/>
+                <a16:creationId xmlns:a16="http://schemas.microsoft.com/office/drawing/2014/main" id="{B9396E93-B093-A14B-B3CA-BF43E8441E14}"/>
               </a:ext>
             </a:extLst>
           </p:cNvPr>
@@ -4136,7 +4149,7 @@
           <a:p>
             <a:r>
               <a:rPr lang="en-US" dirty="0"/>
-              <a:t>Lecture review</a:t>
+              <a:t>Classroom project</a:t>
             </a:r>
           </a:p>
         </p:txBody>
@@ -4146,7 +4159,7 @@
           <p:cNvPr id="3" name="Content Placeholder 2">
             <a:extLst>
               <a:ext uri="{FF2B5EF4-FFF2-40B4-BE49-F238E27FC236}">
-                <a16:creationId xmlns:a16="http://schemas.microsoft.com/office/drawing/2014/main" id="{629253E4-97A2-1847-BE69-53B2CDCAE17D}"/>
+                <a16:creationId xmlns:a16="http://schemas.microsoft.com/office/drawing/2014/main" id="{E5096A85-5219-D442-A525-F0D4BD82BD71}"/>
               </a:ext>
             </a:extLst>
           </p:cNvPr>
@@ -4159,175 +4172,75 @@
         </p:nvSpPr>
         <p:spPr/>
         <p:txBody>
-          <a:bodyPr/>
-          <a:lstStyle/>
-          <a:p>
-            <a:r>
-              <a:rPr lang="en-US" dirty="0"/>
-              <a:t>Linux</a:t>
+          <a:bodyPr>
+            <a:normAutofit lnSpcReduction="10000"/>
+          </a:bodyPr>
+          <a:lstStyle/>
+          <a:p>
+            <a:r>
+              <a:rPr lang="en-US" dirty="0"/>
+              <a:t>Attendance</a:t>
+            </a:r>
+          </a:p>
+          <a:p>
+            <a:endParaRPr lang="en-US" dirty="0"/>
+          </a:p>
+          <a:p>
+            <a:r>
+              <a:rPr lang="en-US" dirty="0"/>
+              <a:t>Hands-on Linux and Git exercise.</a:t>
+            </a:r>
+          </a:p>
+          <a:p>
+            <a:endParaRPr lang="en-US" dirty="0"/>
+          </a:p>
+          <a:p>
+            <a:r>
+              <a:rPr lang="en-US" dirty="0"/>
+              <a:t>You must have:</a:t>
             </a:r>
           </a:p>
           <a:p>
             <a:pPr lvl="1"/>
             <a:r>
               <a:rPr lang="en-US" dirty="0"/>
-              <a:t>Linux file system</a:t>
+              <a:t>AWS account</a:t>
+            </a:r>
+          </a:p>
+          <a:p>
+            <a:pPr lvl="1"/>
+            <a:r>
+              <a:rPr lang="en-US" dirty="0"/>
+              <a:t>GitHub account</a:t>
+            </a:r>
+          </a:p>
+          <a:p>
+            <a:pPr lvl="1"/>
+            <a:r>
+              <a:rPr lang="en-US" dirty="0"/>
+              <a:t>Remote terminal software installed:</a:t>
             </a:r>
           </a:p>
           <a:p>
             <a:pPr lvl="2"/>
             <a:r>
               <a:rPr lang="en-US" dirty="0"/>
-              <a:t>/, /</a:t>
-            </a:r>
-            <a:r>
-              <a:rPr lang="en-US" dirty="0" err="1"/>
-              <a:t>etc</a:t>
-            </a:r>
-            <a:r>
-              <a:rPr lang="en-US" dirty="0"/>
-              <a:t>, /home, /bin</a:t>
-            </a:r>
-          </a:p>
-          <a:p>
-            <a:pPr lvl="1"/>
-            <a:r>
-              <a:rPr lang="en-US" dirty="0"/>
-              <a:t>Linux file permissions</a:t>
+              <a:t>Windows: Git for Windows</a:t>
             </a:r>
           </a:p>
           <a:p>
             <a:pPr lvl="2"/>
             <a:r>
-              <a:rPr lang="en-US" dirty="0" err="1"/>
-              <a:t>drwxr</a:t>
-            </a:r>
-            <a:r>
-              <a:rPr lang="en-US" dirty="0"/>
-              <a:t>-</a:t>
-            </a:r>
-            <a:r>
-              <a:rPr lang="en-US" dirty="0" err="1"/>
-              <a:t>xr</a:t>
-            </a:r>
-            <a:r>
-              <a:rPr lang="en-US" dirty="0"/>
-              <a:t>-x</a:t>
-            </a:r>
-          </a:p>
-          <a:p>
-            <a:pPr lvl="1"/>
-            <a:r>
-              <a:rPr lang="en-US" dirty="0"/>
-              <a:t>File names are case sensitive, dot extensions are meaningless</a:t>
-            </a:r>
-          </a:p>
-          <a:p>
-            <a:pPr lvl="1"/>
-            <a:r>
-              <a:rPr lang="en-US" dirty="0"/>
-              <a:t>File system commands:</a:t>
-            </a:r>
-          </a:p>
-          <a:p>
-            <a:pPr lvl="2"/>
-            <a:r>
-              <a:rPr lang="en-US" dirty="0"/>
-              <a:t>ls, cd, </a:t>
-            </a:r>
-            <a:r>
-              <a:rPr lang="en-US" dirty="0" err="1"/>
-              <a:t>pwd</a:t>
-            </a:r>
-            <a:r>
-              <a:rPr lang="en-US" dirty="0"/>
-              <a:t>, </a:t>
-            </a:r>
-            <a:r>
-              <a:rPr lang="en-US" dirty="0" err="1"/>
-              <a:t>mkdir</a:t>
-            </a:r>
-            <a:r>
-              <a:rPr lang="en-US" dirty="0"/>
-              <a:t>, touch, </a:t>
-            </a:r>
-            <a:r>
-              <a:rPr lang="en-US" dirty="0" err="1"/>
-              <a:t>cp</a:t>
-            </a:r>
-            <a:r>
-              <a:rPr lang="en-US" dirty="0"/>
-              <a:t>, </a:t>
-            </a:r>
-            <a:r>
-              <a:rPr lang="en-US" dirty="0" err="1"/>
-              <a:t>rm</a:t>
-            </a:r>
-            <a:r>
-              <a:rPr lang="en-US" dirty="0"/>
-              <a:t>, mv, </a:t>
-            </a:r>
-            <a:r>
-              <a:rPr lang="en-US" dirty="0" err="1"/>
-              <a:t>chown</a:t>
-            </a:r>
-            <a:r>
-              <a:rPr lang="en-US" dirty="0"/>
-              <a:t>, </a:t>
-            </a:r>
-            <a:r>
-              <a:rPr lang="en-US" dirty="0" err="1"/>
-              <a:t>chmod</a:t>
-            </a:r>
-            <a:endParaRPr lang="en-US" dirty="0"/>
-          </a:p>
-          <a:p>
-            <a:pPr lvl="1"/>
-            <a:r>
-              <a:rPr lang="en-US" dirty="0"/>
-              <a:t>View/edit files:</a:t>
-            </a:r>
-          </a:p>
-          <a:p>
-            <a:pPr lvl="2"/>
-            <a:r>
-              <a:rPr lang="en-US" dirty="0"/>
-              <a:t>cat, more, </a:t>
-            </a:r>
-            <a:r>
-              <a:rPr lang="en-US" dirty="0" err="1"/>
-              <a:t>nano</a:t>
-            </a:r>
-            <a:r>
-              <a:rPr lang="en-US" dirty="0"/>
-              <a:t>, vi</a:t>
-            </a:r>
-          </a:p>
-          <a:p>
-            <a:pPr lvl="1"/>
-            <a:r>
-              <a:rPr lang="en-US" dirty="0"/>
-              <a:t>File </a:t>
-            </a:r>
-            <a:r>
-              <a:rPr lang="en-US" dirty="0" err="1"/>
-              <a:t>globbing</a:t>
-            </a:r>
-            <a:r>
-              <a:rPr lang="en-US" dirty="0"/>
-              <a:t>: ls *.jpg</a:t>
-            </a:r>
-          </a:p>
-          <a:p>
-            <a:pPr lvl="1"/>
-            <a:endParaRPr lang="en-US" dirty="0"/>
+              <a:rPr lang="en-US" dirty="0"/>
+              <a:t>Mac: iTerm2</a:t>
+            </a:r>
           </a:p>
         </p:txBody>
       </p:sp>
     </p:spTree>
     <p:extLst>
       <p:ext uri="{BB962C8B-B14F-4D97-AF65-F5344CB8AC3E}">
-        <p14:creationId xmlns:p14="http://schemas.microsoft.com/office/powerpoint/2010/main" val="2865591885"/>
+        <p14:creationId xmlns:p14="http://schemas.microsoft.com/office/powerpoint/2010/main" val="340917574"/>
       </p:ext>
     </p:extLst>
   </p:cSld>
@@ -4356,13 +4269,7 @@
       </p:grpSpPr>
       <p:sp>
         <p:nvSpPr>
-          <p:cNvPr id="2" name="Title 1">
-            <a:extLst>
-              <a:ext uri="{FF2B5EF4-FFF2-40B4-BE49-F238E27FC236}">
-                <a16:creationId xmlns:a16="http://schemas.microsoft.com/office/drawing/2014/main" id="{6A404036-220F-C042-816E-D9472B8EE88D}"/>
-              </a:ext>
-            </a:extLst>
-          </p:cNvPr>
+          <p:cNvPr id="2" name="Title 1"/>
           <p:cNvSpPr>
             <a:spLocks noGrp="1"/>
           </p:cNvSpPr>
@@ -4377,20 +4284,14 @@
           <a:p>
             <a:r>
               <a:rPr lang="en-US" dirty="0"/>
-              <a:t>Lecture review</a:t>
-            </a:r>
-          </a:p>
-        </p:txBody>
-      </p:sp>
-      <p:sp>
-        <p:nvSpPr>
-          <p:cNvPr id="3" name="Content Placeholder 2">
-            <a:extLst>
-              <a:ext uri="{FF2B5EF4-FFF2-40B4-BE49-F238E27FC236}">
-                <a16:creationId xmlns:a16="http://schemas.microsoft.com/office/drawing/2014/main" id="{629253E4-97A2-1847-BE69-53B2CDCAE17D}"/>
-              </a:ext>
-            </a:extLst>
-          </p:cNvPr>
+              <a:t>Homework</a:t>
+            </a:r>
+          </a:p>
+        </p:txBody>
+      </p:sp>
+      <p:sp>
+        <p:nvSpPr>
+          <p:cNvPr id="3" name="Content Placeholder 2"/>
           <p:cNvSpPr>
             <a:spLocks noGrp="1"/>
           </p:cNvSpPr>
@@ -4405,358 +4306,17 @@
           <a:p>
             <a:r>
               <a:rPr lang="en-US" dirty="0"/>
-              <a:t>IO redirection</a:t>
-            </a:r>
-          </a:p>
-          <a:p>
-            <a:pPr lvl="1"/>
-            <a:r>
-              <a:rPr lang="en-US" dirty="0"/>
-              <a:t>Redirect output: ls /home/foo &gt; </a:t>
-            </a:r>
-            <a:r>
-              <a:rPr lang="en-US" dirty="0" err="1"/>
-              <a:t>listing.txt</a:t>
-            </a:r>
-            <a:endParaRPr lang="en-US" dirty="0"/>
-          </a:p>
-          <a:p>
-            <a:pPr lvl="1"/>
-            <a:r>
-              <a:rPr lang="en-US" dirty="0"/>
-              <a:t>Redirect input: </a:t>
-            </a:r>
-            <a:r>
-              <a:rPr lang="en-US" dirty="0" err="1"/>
-              <a:t>wc</a:t>
-            </a:r>
-            <a:r>
-              <a:rPr lang="en-US" dirty="0"/>
-              <a:t> -l &lt; </a:t>
-            </a:r>
-            <a:r>
-              <a:rPr lang="en-US" dirty="0" err="1"/>
-              <a:t>data.txt</a:t>
-            </a:r>
-            <a:endParaRPr lang="en-US" dirty="0"/>
-          </a:p>
-          <a:p>
-            <a:pPr lvl="1"/>
-            <a:r>
-              <a:rPr lang="en-US" dirty="0"/>
-              <a:t>Pipe commands: ls /</a:t>
-            </a:r>
-            <a:r>
-              <a:rPr lang="en-US" dirty="0" err="1"/>
-              <a:t>var</a:t>
-            </a:r>
-            <a:r>
-              <a:rPr lang="en-US" dirty="0"/>
-              <a:t>/www/html | sort</a:t>
-            </a:r>
-          </a:p>
-          <a:p>
-            <a:pPr lvl="1"/>
-            <a:endParaRPr lang="en-US" dirty="0"/>
-          </a:p>
-          <a:p>
-            <a:r>
-              <a:rPr lang="en-US" dirty="0"/>
-              <a:t>Service management</a:t>
-            </a:r>
-          </a:p>
-          <a:p>
-            <a:pPr lvl="1"/>
-            <a:r>
-              <a:rPr lang="en-US" dirty="0"/>
-              <a:t>Escalate user privileges (run as root): </a:t>
-            </a:r>
-            <a:r>
-              <a:rPr lang="en-US" dirty="0" err="1"/>
-              <a:t>sudo</a:t>
-            </a:r>
-            <a:r>
-              <a:rPr lang="en-US" dirty="0"/>
-              <a:t> </a:t>
-            </a:r>
-          </a:p>
-          <a:p>
-            <a:pPr lvl="1"/>
-            <a:r>
-              <a:rPr lang="en-US" dirty="0"/>
-              <a:t>Install new service: </a:t>
-            </a:r>
-            <a:r>
-              <a:rPr lang="en-US" dirty="0" err="1"/>
-              <a:t>sudo</a:t>
-            </a:r>
-            <a:r>
-              <a:rPr lang="en-US" dirty="0"/>
-              <a:t> yum install </a:t>
-            </a:r>
-            <a:r>
-              <a:rPr lang="en-US" dirty="0" err="1"/>
-              <a:t>httpd</a:t>
-            </a:r>
-            <a:endParaRPr lang="en-US" dirty="0"/>
-          </a:p>
-          <a:p>
-            <a:pPr lvl="1"/>
-            <a:r>
-              <a:rPr lang="en-US" dirty="0"/>
-              <a:t>Start service: </a:t>
-            </a:r>
-            <a:r>
-              <a:rPr lang="en-US" dirty="0" err="1"/>
-              <a:t>sudo</a:t>
-            </a:r>
-            <a:r>
-              <a:rPr lang="en-US" dirty="0"/>
-              <a:t> service start </a:t>
-            </a:r>
-            <a:r>
-              <a:rPr lang="en-US" dirty="0" err="1"/>
-              <a:t>httpd</a:t>
-            </a:r>
-            <a:endParaRPr lang="en-US" dirty="0"/>
-          </a:p>
-          <a:p>
-            <a:pPr lvl="1"/>
-            <a:endParaRPr lang="en-US" dirty="0"/>
-          </a:p>
-        </p:txBody>
-      </p:sp>
-    </p:spTree>
-    <p:extLst>
-      <p:ext uri="{BB962C8B-B14F-4D97-AF65-F5344CB8AC3E}">
-        <p14:creationId xmlns:p14="http://schemas.microsoft.com/office/powerpoint/2010/main" val="695045908"/>
-      </p:ext>
-    </p:extLst>
-  </p:cSld>
-  <p:clrMapOvr>
-    <a:masterClrMapping/>
-  </p:clrMapOvr>
-</p:sld>
-</file>
-
-<file path=ppt/slides/slide8.xml><?xml version="1.0" encoding="utf-8"?>
-<p:sld xmlns:a="http://schemas.openxmlformats.org/drawingml/2006/main" xmlns:r="http://schemas.openxmlformats.org/officeDocument/2006/relationships" xmlns:p="http://schemas.openxmlformats.org/presentationml/2006/main">
-  <p:cSld>
-    <p:spTree>
-      <p:nvGrpSpPr>
-        <p:cNvPr id="1" name=""/>
-        <p:cNvGrpSpPr/>
-        <p:nvPr/>
-      </p:nvGrpSpPr>
-      <p:grpSpPr>
-        <a:xfrm>
-          <a:off x="0" y="0"/>
-          <a:ext cx="0" cy="0"/>
-          <a:chOff x="0" y="0"/>
-          <a:chExt cx="0" cy="0"/>
-        </a:xfrm>
-      </p:grpSpPr>
-      <p:sp>
-        <p:nvSpPr>
-          <p:cNvPr id="2" name="Title 1">
-            <a:extLst>
-              <a:ext uri="{FF2B5EF4-FFF2-40B4-BE49-F238E27FC236}">
-                <a16:creationId xmlns:a16="http://schemas.microsoft.com/office/drawing/2014/main" id="{B9396E93-B093-A14B-B3CA-BF43E8441E14}"/>
-              </a:ext>
-            </a:extLst>
-          </p:cNvPr>
-          <p:cNvSpPr>
-            <a:spLocks noGrp="1"/>
-          </p:cNvSpPr>
-          <p:nvPr>
-            <p:ph type="title"/>
-          </p:nvPr>
-        </p:nvSpPr>
-        <p:spPr/>
-        <p:txBody>
-          <a:bodyPr/>
-          <a:lstStyle/>
-          <a:p>
-            <a:r>
-              <a:rPr lang="en-US" dirty="0"/>
-              <a:t>Classroom project</a:t>
-            </a:r>
-          </a:p>
-        </p:txBody>
-      </p:sp>
-      <p:sp>
-        <p:nvSpPr>
-          <p:cNvPr id="3" name="Content Placeholder 2">
-            <a:extLst>
-              <a:ext uri="{FF2B5EF4-FFF2-40B4-BE49-F238E27FC236}">
-                <a16:creationId xmlns:a16="http://schemas.microsoft.com/office/drawing/2014/main" id="{E5096A85-5219-D442-A525-F0D4BD82BD71}"/>
-              </a:ext>
-            </a:extLst>
-          </p:cNvPr>
-          <p:cNvSpPr>
-            <a:spLocks noGrp="1"/>
-          </p:cNvSpPr>
-          <p:nvPr>
-            <p:ph idx="1"/>
-          </p:nvPr>
-        </p:nvSpPr>
-        <p:spPr/>
-        <p:txBody>
-          <a:bodyPr>
-            <a:normAutofit lnSpcReduction="10000"/>
-          </a:bodyPr>
-          <a:lstStyle/>
-          <a:p>
-            <a:r>
-              <a:rPr lang="en-US" dirty="0"/>
-              <a:t>Attendance</a:t>
-            </a:r>
-          </a:p>
-          <a:p>
-            <a:endParaRPr lang="en-US" dirty="0"/>
-          </a:p>
-          <a:p>
-            <a:r>
-              <a:rPr lang="en-US" dirty="0"/>
-              <a:t>Hands-on Linux and Git exercise.</a:t>
-            </a:r>
-          </a:p>
-          <a:p>
-            <a:endParaRPr lang="en-US" dirty="0"/>
-          </a:p>
-          <a:p>
-            <a:r>
-              <a:rPr lang="en-US" dirty="0"/>
-              <a:t>You must have:</a:t>
-            </a:r>
-          </a:p>
-          <a:p>
-            <a:pPr lvl="1"/>
-            <a:r>
-              <a:rPr lang="en-US" dirty="0"/>
-              <a:t>AWS account</a:t>
-            </a:r>
-          </a:p>
-          <a:p>
-            <a:pPr lvl="1"/>
-            <a:r>
-              <a:rPr lang="en-US" dirty="0"/>
-              <a:t>GitHub account</a:t>
-            </a:r>
-          </a:p>
-          <a:p>
-            <a:pPr lvl="1"/>
-            <a:r>
-              <a:rPr lang="en-US" dirty="0"/>
-              <a:t>Remote terminal software installed:</a:t>
-            </a:r>
-          </a:p>
-          <a:p>
-            <a:pPr lvl="2"/>
-            <a:r>
-              <a:rPr lang="en-US" dirty="0"/>
-              <a:t>Windows: Git for Windows</a:t>
-            </a:r>
-          </a:p>
-          <a:p>
-            <a:pPr lvl="2"/>
-            <a:r>
-              <a:rPr lang="en-US" dirty="0"/>
-              <a:t>Mac: iTerm2</a:t>
-            </a:r>
-          </a:p>
-        </p:txBody>
-      </p:sp>
-    </p:spTree>
-    <p:extLst>
-      <p:ext uri="{BB962C8B-B14F-4D97-AF65-F5344CB8AC3E}">
-        <p14:creationId xmlns:p14="http://schemas.microsoft.com/office/powerpoint/2010/main" val="340917574"/>
-      </p:ext>
-    </p:extLst>
-  </p:cSld>
-  <p:clrMapOvr>
-    <a:masterClrMapping/>
-  </p:clrMapOvr>
-</p:sld>
-</file>
-
-<file path=ppt/slides/slide9.xml><?xml version="1.0" encoding="utf-8"?>
-<p:sld xmlns:a="http://schemas.openxmlformats.org/drawingml/2006/main" xmlns:r="http://schemas.openxmlformats.org/officeDocument/2006/relationships" xmlns:p="http://schemas.openxmlformats.org/presentationml/2006/main">
-  <p:cSld>
-    <p:spTree>
-      <p:nvGrpSpPr>
-        <p:cNvPr id="1" name=""/>
-        <p:cNvGrpSpPr/>
-        <p:nvPr/>
-      </p:nvGrpSpPr>
-      <p:grpSpPr>
-        <a:xfrm>
-          <a:off x="0" y="0"/>
-          <a:ext cx="0" cy="0"/>
-          <a:chOff x="0" y="0"/>
-          <a:chExt cx="0" cy="0"/>
-        </a:xfrm>
-      </p:grpSpPr>
-      <p:sp>
-        <p:nvSpPr>
-          <p:cNvPr id="2" name="Title 1"/>
-          <p:cNvSpPr>
-            <a:spLocks noGrp="1"/>
-          </p:cNvSpPr>
-          <p:nvPr>
-            <p:ph type="title"/>
-          </p:nvPr>
-        </p:nvSpPr>
-        <p:spPr/>
-        <p:txBody>
-          <a:bodyPr/>
-          <a:lstStyle/>
-          <a:p>
-            <a:r>
-              <a:rPr lang="en-US" dirty="0"/>
-              <a:t>Homework</a:t>
-            </a:r>
-          </a:p>
-        </p:txBody>
-      </p:sp>
-      <p:sp>
-        <p:nvSpPr>
-          <p:cNvPr id="3" name="Content Placeholder 2"/>
-          <p:cNvSpPr>
-            <a:spLocks noGrp="1"/>
-          </p:cNvSpPr>
-          <p:nvPr>
-            <p:ph idx="1"/>
-          </p:nvPr>
-        </p:nvSpPr>
-        <p:spPr/>
-        <p:txBody>
-          <a:bodyPr/>
-          <a:lstStyle/>
-          <a:p>
-            <a:r>
-              <a:rPr lang="en-US" dirty="0"/>
               <a:t>Assignment 2: Shell scripting</a:t>
             </a:r>
           </a:p>
           <a:p>
             <a:r>
-              <a:rPr lang="en-US" dirty="0"/>
-              <a:t>Read </a:t>
-            </a:r>
-            <a:r>
-              <a:rPr lang="en-US" i="1" dirty="0"/>
-              <a:t>Infrastructure as Code </a:t>
-            </a:r>
-            <a:r>
-              <a:rPr lang="en-US" dirty="0"/>
-              <a:t>Chapters 1 &amp; 2</a:t>
-            </a:r>
-          </a:p>
-          <a:p>
-            <a:r>
-              <a:rPr lang="en-US" dirty="0"/>
-              <a:t>Watch Lecture 3 videos.</a:t>
+              <a:rPr lang="en-US"/>
+              <a:t>Watch </a:t>
+            </a:r>
+            <a:r>
+              <a:rPr lang="en-US" dirty="0"/>
+              <a:t>Lecture 3 videos.</a:t>
             </a:r>
           </a:p>
           <a:p>

--- a/review/lecture-review-week-2.pptx
+++ b/review/lecture-review-week-2.pptx
@@ -265,7 +265,7 @@
           <a:p>
             <a:fld id="{BCCA4D00-8A20-4344-9629-C2410E08CC07}" type="datetimeFigureOut">
               <a:rPr lang="en-US" smtClean="0"/>
-              <a:t>7/15/19</a:t>
+              <a:t>8/10/20</a:t>
             </a:fld>
             <a:endParaRPr lang="en-US"/>
           </a:p>
@@ -463,7 +463,7 @@
           <a:p>
             <a:fld id="{BCCA4D00-8A20-4344-9629-C2410E08CC07}" type="datetimeFigureOut">
               <a:rPr lang="en-US" smtClean="0"/>
-              <a:t>7/15/19</a:t>
+              <a:t>8/10/20</a:t>
             </a:fld>
             <a:endParaRPr lang="en-US"/>
           </a:p>
@@ -671,7 +671,7 @@
           <a:p>
             <a:fld id="{BCCA4D00-8A20-4344-9629-C2410E08CC07}" type="datetimeFigureOut">
               <a:rPr lang="en-US" smtClean="0"/>
-              <a:t>7/15/19</a:t>
+              <a:t>8/10/20</a:t>
             </a:fld>
             <a:endParaRPr lang="en-US"/>
           </a:p>
@@ -869,7 +869,7 @@
           <a:p>
             <a:fld id="{BCCA4D00-8A20-4344-9629-C2410E08CC07}" type="datetimeFigureOut">
               <a:rPr lang="en-US" smtClean="0"/>
-              <a:t>7/15/19</a:t>
+              <a:t>8/10/20</a:t>
             </a:fld>
             <a:endParaRPr lang="en-US"/>
           </a:p>
@@ -1144,7 +1144,7 @@
           <a:p>
             <a:fld id="{BCCA4D00-8A20-4344-9629-C2410E08CC07}" type="datetimeFigureOut">
               <a:rPr lang="en-US" smtClean="0"/>
-              <a:t>7/15/19</a:t>
+              <a:t>8/10/20</a:t>
             </a:fld>
             <a:endParaRPr lang="en-US"/>
           </a:p>
@@ -1409,7 +1409,7 @@
           <a:p>
             <a:fld id="{BCCA4D00-8A20-4344-9629-C2410E08CC07}" type="datetimeFigureOut">
               <a:rPr lang="en-US" smtClean="0"/>
-              <a:t>7/15/19</a:t>
+              <a:t>8/10/20</a:t>
             </a:fld>
             <a:endParaRPr lang="en-US"/>
           </a:p>
@@ -1821,7 +1821,7 @@
           <a:p>
             <a:fld id="{BCCA4D00-8A20-4344-9629-C2410E08CC07}" type="datetimeFigureOut">
               <a:rPr lang="en-US" smtClean="0"/>
-              <a:t>7/15/19</a:t>
+              <a:t>8/10/20</a:t>
             </a:fld>
             <a:endParaRPr lang="en-US"/>
           </a:p>
@@ -1962,7 +1962,7 @@
           <a:p>
             <a:fld id="{BCCA4D00-8A20-4344-9629-C2410E08CC07}" type="datetimeFigureOut">
               <a:rPr lang="en-US" smtClean="0"/>
-              <a:t>7/15/19</a:t>
+              <a:t>8/10/20</a:t>
             </a:fld>
             <a:endParaRPr lang="en-US"/>
           </a:p>
@@ -2075,7 +2075,7 @@
           <a:p>
             <a:fld id="{BCCA4D00-8A20-4344-9629-C2410E08CC07}" type="datetimeFigureOut">
               <a:rPr lang="en-US" smtClean="0"/>
-              <a:t>7/15/19</a:t>
+              <a:t>8/10/20</a:t>
             </a:fld>
             <a:endParaRPr lang="en-US"/>
           </a:p>
@@ -2386,7 +2386,7 @@
           <a:p>
             <a:fld id="{BCCA4D00-8A20-4344-9629-C2410E08CC07}" type="datetimeFigureOut">
               <a:rPr lang="en-US" smtClean="0"/>
-              <a:t>7/15/19</a:t>
+              <a:t>8/10/20</a:t>
             </a:fld>
             <a:endParaRPr lang="en-US"/>
           </a:p>
@@ -2674,7 +2674,7 @@
           <a:p>
             <a:fld id="{BCCA4D00-8A20-4344-9629-C2410E08CC07}" type="datetimeFigureOut">
               <a:rPr lang="en-US" smtClean="0"/>
-              <a:t>7/15/19</a:t>
+              <a:t>8/10/20</a:t>
             </a:fld>
             <a:endParaRPr lang="en-US"/>
           </a:p>
@@ -2915,7 +2915,7 @@
           <a:p>
             <a:fld id="{BCCA4D00-8A20-4344-9629-C2410E08CC07}" type="datetimeFigureOut">
               <a:rPr lang="en-US" smtClean="0"/>
-              <a:t>7/15/19</a:t>
+              <a:t>8/10/20</a:t>
             </a:fld>
             <a:endParaRPr lang="en-US"/>
           </a:p>
@@ -3362,8 +3362,8 @@
               <a:rPr lang="en-US" sz="3600" dirty="0"/>
             </a:br>
             <a:r>
-              <a:rPr lang="en-US" sz="3600" dirty="0"/>
-              <a:t>SEIS 665</a:t>
+              <a:rPr lang="en-US" sz="3600"/>
+              <a:t>SEIS 615</a:t>
             </a:r>
             <a:br>
               <a:rPr lang="en-US" sz="3600" dirty="0"/>

--- a/review/lecture-review-week-2.pptx
+++ b/review/lecture-review-week-2.pptx
@@ -265,7 +265,7 @@
           <a:p>
             <a:fld id="{BCCA4D00-8A20-4344-9629-C2410E08CC07}" type="datetimeFigureOut">
               <a:rPr lang="en-US" smtClean="0"/>
-              <a:t>8/10/20</a:t>
+              <a:t>9/11/21</a:t>
             </a:fld>
             <a:endParaRPr lang="en-US"/>
           </a:p>
@@ -463,7 +463,7 @@
           <a:p>
             <a:fld id="{BCCA4D00-8A20-4344-9629-C2410E08CC07}" type="datetimeFigureOut">
               <a:rPr lang="en-US" smtClean="0"/>
-              <a:t>8/10/20</a:t>
+              <a:t>9/11/21</a:t>
             </a:fld>
             <a:endParaRPr lang="en-US"/>
           </a:p>
@@ -671,7 +671,7 @@
           <a:p>
             <a:fld id="{BCCA4D00-8A20-4344-9629-C2410E08CC07}" type="datetimeFigureOut">
               <a:rPr lang="en-US" smtClean="0"/>
-              <a:t>8/10/20</a:t>
+              <a:t>9/11/21</a:t>
             </a:fld>
             <a:endParaRPr lang="en-US"/>
           </a:p>
@@ -869,7 +869,7 @@
           <a:p>
             <a:fld id="{BCCA4D00-8A20-4344-9629-C2410E08CC07}" type="datetimeFigureOut">
               <a:rPr lang="en-US" smtClean="0"/>
-              <a:t>8/10/20</a:t>
+              <a:t>9/11/21</a:t>
             </a:fld>
             <a:endParaRPr lang="en-US"/>
           </a:p>
@@ -1144,7 +1144,7 @@
           <a:p>
             <a:fld id="{BCCA4D00-8A20-4344-9629-C2410E08CC07}" type="datetimeFigureOut">
               <a:rPr lang="en-US" smtClean="0"/>
-              <a:t>8/10/20</a:t>
+              <a:t>9/11/21</a:t>
             </a:fld>
             <a:endParaRPr lang="en-US"/>
           </a:p>
@@ -1409,7 +1409,7 @@
           <a:p>
             <a:fld id="{BCCA4D00-8A20-4344-9629-C2410E08CC07}" type="datetimeFigureOut">
               <a:rPr lang="en-US" smtClean="0"/>
-              <a:t>8/10/20</a:t>
+              <a:t>9/11/21</a:t>
             </a:fld>
             <a:endParaRPr lang="en-US"/>
           </a:p>
@@ -1821,7 +1821,7 @@
           <a:p>
             <a:fld id="{BCCA4D00-8A20-4344-9629-C2410E08CC07}" type="datetimeFigureOut">
               <a:rPr lang="en-US" smtClean="0"/>
-              <a:t>8/10/20</a:t>
+              <a:t>9/11/21</a:t>
             </a:fld>
             <a:endParaRPr lang="en-US"/>
           </a:p>
@@ -1962,7 +1962,7 @@
           <a:p>
             <a:fld id="{BCCA4D00-8A20-4344-9629-C2410E08CC07}" type="datetimeFigureOut">
               <a:rPr lang="en-US" smtClean="0"/>
-              <a:t>8/10/20</a:t>
+              <a:t>9/11/21</a:t>
             </a:fld>
             <a:endParaRPr lang="en-US"/>
           </a:p>
@@ -2075,7 +2075,7 @@
           <a:p>
             <a:fld id="{BCCA4D00-8A20-4344-9629-C2410E08CC07}" type="datetimeFigureOut">
               <a:rPr lang="en-US" smtClean="0"/>
-              <a:t>8/10/20</a:t>
+              <a:t>9/11/21</a:t>
             </a:fld>
             <a:endParaRPr lang="en-US"/>
           </a:p>
@@ -2386,7 +2386,7 @@
           <a:p>
             <a:fld id="{BCCA4D00-8A20-4344-9629-C2410E08CC07}" type="datetimeFigureOut">
               <a:rPr lang="en-US" smtClean="0"/>
-              <a:t>8/10/20</a:t>
+              <a:t>9/11/21</a:t>
             </a:fld>
             <a:endParaRPr lang="en-US"/>
           </a:p>
@@ -2674,7 +2674,7 @@
           <a:p>
             <a:fld id="{BCCA4D00-8A20-4344-9629-C2410E08CC07}" type="datetimeFigureOut">
               <a:rPr lang="en-US" smtClean="0"/>
-              <a:t>8/10/20</a:t>
+              <a:t>9/11/21</a:t>
             </a:fld>
             <a:endParaRPr lang="en-US"/>
           </a:p>
@@ -2915,7 +2915,7 @@
           <a:p>
             <a:fld id="{BCCA4D00-8A20-4344-9629-C2410E08CC07}" type="datetimeFigureOut">
               <a:rPr lang="en-US" smtClean="0"/>
-              <a:t>8/10/20</a:t>
+              <a:t>9/11/21</a:t>
             </a:fld>
             <a:endParaRPr lang="en-US"/>
           </a:p>
@@ -4173,7 +4173,7 @@
         <p:spPr/>
         <p:txBody>
           <a:bodyPr>
-            <a:normAutofit lnSpcReduction="10000"/>
+            <a:normAutofit/>
           </a:bodyPr>
           <a:lstStyle/>
           <a:p>
@@ -4212,27 +4212,6 @@
             <a:r>
               <a:rPr lang="en-US" dirty="0"/>
               <a:t>GitHub account</a:t>
-            </a:r>
-          </a:p>
-          <a:p>
-            <a:pPr lvl="1"/>
-            <a:r>
-              <a:rPr lang="en-US" dirty="0"/>
-              <a:t>Remote terminal software installed:</a:t>
-            </a:r>
-          </a:p>
-          <a:p>
-            <a:pPr lvl="2"/>
-            <a:r>
-              <a:rPr lang="en-US" dirty="0"/>
-              <a:t>Windows: Git for Windows</a:t>
-            </a:r>
-          </a:p>
-          <a:p>
-            <a:pPr lvl="2"/>
-            <a:r>
-              <a:rPr lang="en-US" dirty="0"/>
-              <a:t>Mac: iTerm2</a:t>
             </a:r>
           </a:p>
         </p:txBody>

--- a/review/lecture-review-week-2.pptx
+++ b/review/lecture-review-week-2.pptx
@@ -6,12 +6,13 @@
   </p:sldMasterIdLst>
   <p:sldIdLst>
     <p:sldId id="257" r:id="rId2"/>
-    <p:sldId id="259" r:id="rId3"/>
-    <p:sldId id="268" r:id="rId4"/>
-    <p:sldId id="260" r:id="rId5"/>
-    <p:sldId id="262" r:id="rId6"/>
-    <p:sldId id="265" r:id="rId7"/>
-    <p:sldId id="267" r:id="rId8"/>
+    <p:sldId id="268" r:id="rId3"/>
+    <p:sldId id="269" r:id="rId4"/>
+    <p:sldId id="259" r:id="rId5"/>
+    <p:sldId id="260" r:id="rId6"/>
+    <p:sldId id="262" r:id="rId7"/>
+    <p:sldId id="265" r:id="rId8"/>
+    <p:sldId id="267" r:id="rId9"/>
   </p:sldIdLst>
   <p:sldSz cx="12192000" cy="6858000"/>
   <p:notesSz cx="6858000" cy="9144000"/>
@@ -265,7 +266,7 @@
           <a:p>
             <a:fld id="{BCCA4D00-8A20-4344-9629-C2410E08CC07}" type="datetimeFigureOut">
               <a:rPr lang="en-US" smtClean="0"/>
-              <a:t>9/11/21</a:t>
+              <a:t>9/20/21</a:t>
             </a:fld>
             <a:endParaRPr lang="en-US"/>
           </a:p>
@@ -463,7 +464,7 @@
           <a:p>
             <a:fld id="{BCCA4D00-8A20-4344-9629-C2410E08CC07}" type="datetimeFigureOut">
               <a:rPr lang="en-US" smtClean="0"/>
-              <a:t>9/11/21</a:t>
+              <a:t>9/20/21</a:t>
             </a:fld>
             <a:endParaRPr lang="en-US"/>
           </a:p>
@@ -671,7 +672,7 @@
           <a:p>
             <a:fld id="{BCCA4D00-8A20-4344-9629-C2410E08CC07}" type="datetimeFigureOut">
               <a:rPr lang="en-US" smtClean="0"/>
-              <a:t>9/11/21</a:t>
+              <a:t>9/20/21</a:t>
             </a:fld>
             <a:endParaRPr lang="en-US"/>
           </a:p>
@@ -869,7 +870,7 @@
           <a:p>
             <a:fld id="{BCCA4D00-8A20-4344-9629-C2410E08CC07}" type="datetimeFigureOut">
               <a:rPr lang="en-US" smtClean="0"/>
-              <a:t>9/11/21</a:t>
+              <a:t>9/20/21</a:t>
             </a:fld>
             <a:endParaRPr lang="en-US"/>
           </a:p>
@@ -1144,7 +1145,7 @@
           <a:p>
             <a:fld id="{BCCA4D00-8A20-4344-9629-C2410E08CC07}" type="datetimeFigureOut">
               <a:rPr lang="en-US" smtClean="0"/>
-              <a:t>9/11/21</a:t>
+              <a:t>9/20/21</a:t>
             </a:fld>
             <a:endParaRPr lang="en-US"/>
           </a:p>
@@ -1409,7 +1410,7 @@
           <a:p>
             <a:fld id="{BCCA4D00-8A20-4344-9629-C2410E08CC07}" type="datetimeFigureOut">
               <a:rPr lang="en-US" smtClean="0"/>
-              <a:t>9/11/21</a:t>
+              <a:t>9/20/21</a:t>
             </a:fld>
             <a:endParaRPr lang="en-US"/>
           </a:p>
@@ -1821,7 +1822,7 @@
           <a:p>
             <a:fld id="{BCCA4D00-8A20-4344-9629-C2410E08CC07}" type="datetimeFigureOut">
               <a:rPr lang="en-US" smtClean="0"/>
-              <a:t>9/11/21</a:t>
+              <a:t>9/20/21</a:t>
             </a:fld>
             <a:endParaRPr lang="en-US"/>
           </a:p>
@@ -1962,7 +1963,7 @@
           <a:p>
             <a:fld id="{BCCA4D00-8A20-4344-9629-C2410E08CC07}" type="datetimeFigureOut">
               <a:rPr lang="en-US" smtClean="0"/>
-              <a:t>9/11/21</a:t>
+              <a:t>9/20/21</a:t>
             </a:fld>
             <a:endParaRPr lang="en-US"/>
           </a:p>
@@ -2075,7 +2076,7 @@
           <a:p>
             <a:fld id="{BCCA4D00-8A20-4344-9629-C2410E08CC07}" type="datetimeFigureOut">
               <a:rPr lang="en-US" smtClean="0"/>
-              <a:t>9/11/21</a:t>
+              <a:t>9/20/21</a:t>
             </a:fld>
             <a:endParaRPr lang="en-US"/>
           </a:p>
@@ -2386,7 +2387,7 @@
           <a:p>
             <a:fld id="{BCCA4D00-8A20-4344-9629-C2410E08CC07}" type="datetimeFigureOut">
               <a:rPr lang="en-US" smtClean="0"/>
-              <a:t>9/11/21</a:t>
+              <a:t>9/20/21</a:t>
             </a:fld>
             <a:endParaRPr lang="en-US"/>
           </a:p>
@@ -2674,7 +2675,7 @@
           <a:p>
             <a:fld id="{BCCA4D00-8A20-4344-9629-C2410E08CC07}" type="datetimeFigureOut">
               <a:rPr lang="en-US" smtClean="0"/>
-              <a:t>9/11/21</a:t>
+              <a:t>9/20/21</a:t>
             </a:fld>
             <a:endParaRPr lang="en-US"/>
           </a:p>
@@ -2915,7 +2916,7 @@
           <a:p>
             <a:fld id="{BCCA4D00-8A20-4344-9629-C2410E08CC07}" type="datetimeFigureOut">
               <a:rPr lang="en-US" smtClean="0"/>
-              <a:t>9/11/21</a:t>
+              <a:t>9/20/21</a:t>
             </a:fld>
             <a:endParaRPr lang="en-US"/>
           </a:p>
@@ -3492,6 +3493,303 @@
       </p:grpSpPr>
       <p:sp>
         <p:nvSpPr>
+          <p:cNvPr id="2" name="Title 1">
+            <a:extLst>
+              <a:ext uri="{FF2B5EF4-FFF2-40B4-BE49-F238E27FC236}">
+                <a16:creationId xmlns:a16="http://schemas.microsoft.com/office/drawing/2014/main" id="{B824C52C-94E9-C74F-AF3A-5A92F5410F16}"/>
+              </a:ext>
+            </a:extLst>
+          </p:cNvPr>
+          <p:cNvSpPr>
+            <a:spLocks noGrp="1"/>
+          </p:cNvSpPr>
+          <p:nvPr>
+            <p:ph type="title"/>
+          </p:nvPr>
+        </p:nvSpPr>
+        <p:spPr/>
+        <p:txBody>
+          <a:bodyPr/>
+          <a:lstStyle/>
+          <a:p>
+            <a:r>
+              <a:rPr lang="en-US" dirty="0"/>
+              <a:t>Note about assignments</a:t>
+            </a:r>
+          </a:p>
+        </p:txBody>
+      </p:sp>
+      <p:sp>
+        <p:nvSpPr>
+          <p:cNvPr id="3" name="Content Placeholder 2">
+            <a:extLst>
+              <a:ext uri="{FF2B5EF4-FFF2-40B4-BE49-F238E27FC236}">
+                <a16:creationId xmlns:a16="http://schemas.microsoft.com/office/drawing/2014/main" id="{84E6F8CE-02F8-5C4E-8A9F-73129D752AB1}"/>
+              </a:ext>
+            </a:extLst>
+          </p:cNvPr>
+          <p:cNvSpPr>
+            <a:spLocks noGrp="1"/>
+          </p:cNvSpPr>
+          <p:nvPr>
+            <p:ph idx="1"/>
+          </p:nvPr>
+        </p:nvSpPr>
+        <p:spPr/>
+        <p:txBody>
+          <a:bodyPr>
+            <a:normAutofit lnSpcReduction="10000"/>
+          </a:bodyPr>
+          <a:lstStyle/>
+          <a:p>
+            <a:r>
+              <a:rPr lang="en-US" dirty="0"/>
+              <a:t>I sometimes make changes to assignments during the semester.</a:t>
+            </a:r>
+          </a:p>
+          <a:p>
+            <a:pPr lvl="1"/>
+            <a:r>
+              <a:rPr lang="en-US" dirty="0"/>
+              <a:t>AWS may make changes to their console or API.</a:t>
+            </a:r>
+          </a:p>
+          <a:p>
+            <a:pPr lvl="1"/>
+            <a:r>
+              <a:rPr lang="en-US" dirty="0"/>
+              <a:t>Students may discover bugs in assignment instructions.</a:t>
+            </a:r>
+          </a:p>
+          <a:p>
+            <a:endParaRPr lang="en-US" dirty="0"/>
+          </a:p>
+          <a:p>
+            <a:r>
+              <a:rPr lang="en-US" dirty="0"/>
+              <a:t>I will publish any assignment changes to GitHub and Slack.</a:t>
+            </a:r>
+          </a:p>
+          <a:p>
+            <a:pPr lvl="1"/>
+            <a:r>
+              <a:rPr lang="en-US" dirty="0"/>
+              <a:t>If you clone or fork the class repository, you should pull updates weekly to ensure that you are reading the latest information.</a:t>
+            </a:r>
+          </a:p>
+          <a:p>
+            <a:pPr lvl="1"/>
+            <a:endParaRPr lang="en-US" dirty="0"/>
+          </a:p>
+          <a:p>
+            <a:pPr lvl="1"/>
+            <a:r>
+              <a:rPr lang="en-US" dirty="0"/>
+              <a:t>Warning: If you decide to work on a homework assignment which has not been assigned yet, there is always a possibility that I will change that assignment. </a:t>
+            </a:r>
+          </a:p>
+          <a:p>
+            <a:endParaRPr lang="en-US" dirty="0"/>
+          </a:p>
+          <a:p>
+            <a:endParaRPr lang="en-US" dirty="0"/>
+          </a:p>
+        </p:txBody>
+      </p:sp>
+    </p:spTree>
+    <p:extLst>
+      <p:ext uri="{BB962C8B-B14F-4D97-AF65-F5344CB8AC3E}">
+        <p14:creationId xmlns:p14="http://schemas.microsoft.com/office/powerpoint/2010/main" val="3430002121"/>
+      </p:ext>
+    </p:extLst>
+  </p:cSld>
+  <p:clrMapOvr>
+    <a:masterClrMapping/>
+  </p:clrMapOvr>
+</p:sld>
+</file>
+
+<file path=ppt/slides/slide3.xml><?xml version="1.0" encoding="utf-8"?>
+<p:sld xmlns:a="http://schemas.openxmlformats.org/drawingml/2006/main" xmlns:r="http://schemas.openxmlformats.org/officeDocument/2006/relationships" xmlns:p="http://schemas.openxmlformats.org/presentationml/2006/main">
+  <p:cSld>
+    <p:spTree>
+      <p:nvGrpSpPr>
+        <p:cNvPr id="1" name=""/>
+        <p:cNvGrpSpPr/>
+        <p:nvPr/>
+      </p:nvGrpSpPr>
+      <p:grpSpPr>
+        <a:xfrm>
+          <a:off x="0" y="0"/>
+          <a:ext cx="0" cy="0"/>
+          <a:chOff x="0" y="0"/>
+          <a:chExt cx="0" cy="0"/>
+        </a:xfrm>
+      </p:grpSpPr>
+      <p:sp>
+        <p:nvSpPr>
+          <p:cNvPr id="2" name="Title 1">
+            <a:extLst>
+              <a:ext uri="{FF2B5EF4-FFF2-40B4-BE49-F238E27FC236}">
+                <a16:creationId xmlns:a16="http://schemas.microsoft.com/office/drawing/2014/main" id="{B824C52C-94E9-C74F-AF3A-5A92F5410F16}"/>
+              </a:ext>
+            </a:extLst>
+          </p:cNvPr>
+          <p:cNvSpPr>
+            <a:spLocks noGrp="1"/>
+          </p:cNvSpPr>
+          <p:nvPr>
+            <p:ph type="title"/>
+          </p:nvPr>
+        </p:nvSpPr>
+        <p:spPr/>
+        <p:txBody>
+          <a:bodyPr/>
+          <a:lstStyle/>
+          <a:p>
+            <a:r>
+              <a:rPr lang="en-US" dirty="0"/>
+              <a:t>Accessing EC2 instances</a:t>
+            </a:r>
+          </a:p>
+        </p:txBody>
+      </p:sp>
+      <p:sp>
+        <p:nvSpPr>
+          <p:cNvPr id="3" name="Content Placeholder 2">
+            <a:extLst>
+              <a:ext uri="{FF2B5EF4-FFF2-40B4-BE49-F238E27FC236}">
+                <a16:creationId xmlns:a16="http://schemas.microsoft.com/office/drawing/2014/main" id="{84E6F8CE-02F8-5C4E-8A9F-73129D752AB1}"/>
+              </a:ext>
+            </a:extLst>
+          </p:cNvPr>
+          <p:cNvSpPr>
+            <a:spLocks noGrp="1"/>
+          </p:cNvSpPr>
+          <p:nvPr>
+            <p:ph idx="1"/>
+          </p:nvPr>
+        </p:nvSpPr>
+        <p:spPr/>
+        <p:txBody>
+          <a:bodyPr>
+            <a:normAutofit fontScale="92500" lnSpcReduction="10000"/>
+          </a:bodyPr>
+          <a:lstStyle/>
+          <a:p>
+            <a:r>
+              <a:rPr lang="en-US" dirty="0"/>
+              <a:t>Classes used Secure Shell (SSH) to access EC2 instances the past 5</a:t>
+            </a:r>
+            <a:r>
+              <a:rPr lang="en-US" u="sng" dirty="0"/>
+              <a:t> </a:t>
+            </a:r>
+            <a:r>
+              <a:rPr lang="en-US" dirty="0"/>
+              <a:t>years which required:</a:t>
+            </a:r>
+          </a:p>
+          <a:p>
+            <a:pPr lvl="1"/>
+            <a:r>
+              <a:rPr lang="en-US" dirty="0"/>
+              <a:t>A terminal program running on your local workstation.</a:t>
+            </a:r>
+          </a:p>
+          <a:p>
+            <a:pPr lvl="1"/>
+            <a:r>
+              <a:rPr lang="en-US" dirty="0"/>
+              <a:t>A public and private SSH key pair.</a:t>
+            </a:r>
+          </a:p>
+          <a:p>
+            <a:pPr lvl="1"/>
+            <a:r>
+              <a:rPr lang="en-US" dirty="0"/>
+              <a:t>A security group rule which allowed incoming SSH access to EC2.</a:t>
+            </a:r>
+          </a:p>
+          <a:p>
+            <a:pPr lvl="1"/>
+            <a:endParaRPr lang="en-US" dirty="0"/>
+          </a:p>
+          <a:p>
+            <a:r>
+              <a:rPr lang="en-US" dirty="0"/>
+              <a:t>We will now use AWS Session Manager to access EC2 instances.</a:t>
+            </a:r>
+          </a:p>
+          <a:p>
+            <a:pPr lvl="1"/>
+            <a:r>
+              <a:rPr lang="en-US" dirty="0"/>
+              <a:t>More secure.</a:t>
+            </a:r>
+          </a:p>
+          <a:p>
+            <a:pPr lvl="1"/>
+            <a:r>
+              <a:rPr lang="en-US" dirty="0"/>
+              <a:t>Easier to use because no terminal program is required.</a:t>
+            </a:r>
+          </a:p>
+          <a:p>
+            <a:pPr lvl="1"/>
+            <a:endParaRPr lang="en-US" dirty="0"/>
+          </a:p>
+          <a:p>
+            <a:r>
+              <a:rPr lang="en-US" dirty="0"/>
+              <a:t>Some videos and documents may still reference SSH, and these references will be removed </a:t>
+            </a:r>
+            <a:r>
+              <a:rPr lang="en-US"/>
+              <a:t>over time.</a:t>
+            </a:r>
+            <a:endParaRPr lang="en-US" dirty="0"/>
+          </a:p>
+          <a:p>
+            <a:endParaRPr lang="en-US" dirty="0"/>
+          </a:p>
+          <a:p>
+            <a:endParaRPr lang="en-US" dirty="0"/>
+          </a:p>
+        </p:txBody>
+      </p:sp>
+    </p:spTree>
+    <p:extLst>
+      <p:ext uri="{BB962C8B-B14F-4D97-AF65-F5344CB8AC3E}">
+        <p14:creationId xmlns:p14="http://schemas.microsoft.com/office/powerpoint/2010/main" val="3825228707"/>
+      </p:ext>
+    </p:extLst>
+  </p:cSld>
+  <p:clrMapOvr>
+    <a:masterClrMapping/>
+  </p:clrMapOvr>
+</p:sld>
+</file>
+
+<file path=ppt/slides/slide4.xml><?xml version="1.0" encoding="utf-8"?>
+<p:sld xmlns:a="http://schemas.openxmlformats.org/drawingml/2006/main" xmlns:r="http://schemas.openxmlformats.org/officeDocument/2006/relationships" xmlns:p="http://schemas.openxmlformats.org/presentationml/2006/main">
+  <p:cSld>
+    <p:spTree>
+      <p:nvGrpSpPr>
+        <p:cNvPr id="1" name=""/>
+        <p:cNvGrpSpPr/>
+        <p:nvPr/>
+      </p:nvGrpSpPr>
+      <p:grpSpPr>
+        <a:xfrm>
+          <a:off x="0" y="0"/>
+          <a:ext cx="0" cy="0"/>
+          <a:chOff x="0" y="0"/>
+          <a:chExt cx="0" cy="0"/>
+        </a:xfrm>
+      </p:grpSpPr>
+      <p:sp>
+        <p:nvSpPr>
           <p:cNvPr id="2" name="Title 1"/>
           <p:cNvSpPr>
             <a:spLocks noGrp="1"/>
@@ -3635,291 +3933,6 @@
 </p:sld>
 </file>
 
-<file path=ppt/slides/slide3.xml><?xml version="1.0" encoding="utf-8"?>
-<p:sld xmlns:a="http://schemas.openxmlformats.org/drawingml/2006/main" xmlns:r="http://schemas.openxmlformats.org/officeDocument/2006/relationships" xmlns:p="http://schemas.openxmlformats.org/presentationml/2006/main">
-  <p:cSld>
-    <p:spTree>
-      <p:nvGrpSpPr>
-        <p:cNvPr id="1" name=""/>
-        <p:cNvGrpSpPr/>
-        <p:nvPr/>
-      </p:nvGrpSpPr>
-      <p:grpSpPr>
-        <a:xfrm>
-          <a:off x="0" y="0"/>
-          <a:ext cx="0" cy="0"/>
-          <a:chOff x="0" y="0"/>
-          <a:chExt cx="0" cy="0"/>
-        </a:xfrm>
-      </p:grpSpPr>
-      <p:sp>
-        <p:nvSpPr>
-          <p:cNvPr id="2" name="Title 1">
-            <a:extLst>
-              <a:ext uri="{FF2B5EF4-FFF2-40B4-BE49-F238E27FC236}">
-                <a16:creationId xmlns:a16="http://schemas.microsoft.com/office/drawing/2014/main" id="{B824C52C-94E9-C74F-AF3A-5A92F5410F16}"/>
-              </a:ext>
-            </a:extLst>
-          </p:cNvPr>
-          <p:cNvSpPr>
-            <a:spLocks noGrp="1"/>
-          </p:cNvSpPr>
-          <p:nvPr>
-            <p:ph type="title"/>
-          </p:nvPr>
-        </p:nvSpPr>
-        <p:spPr/>
-        <p:txBody>
-          <a:bodyPr/>
-          <a:lstStyle/>
-          <a:p>
-            <a:r>
-              <a:rPr lang="en-US" dirty="0"/>
-              <a:t>Note about assignments</a:t>
-            </a:r>
-          </a:p>
-        </p:txBody>
-      </p:sp>
-      <p:sp>
-        <p:nvSpPr>
-          <p:cNvPr id="3" name="Content Placeholder 2">
-            <a:extLst>
-              <a:ext uri="{FF2B5EF4-FFF2-40B4-BE49-F238E27FC236}">
-                <a16:creationId xmlns:a16="http://schemas.microsoft.com/office/drawing/2014/main" id="{84E6F8CE-02F8-5C4E-8A9F-73129D752AB1}"/>
-              </a:ext>
-            </a:extLst>
-          </p:cNvPr>
-          <p:cNvSpPr>
-            <a:spLocks noGrp="1"/>
-          </p:cNvSpPr>
-          <p:nvPr>
-            <p:ph idx="1"/>
-          </p:nvPr>
-        </p:nvSpPr>
-        <p:spPr/>
-        <p:txBody>
-          <a:bodyPr>
-            <a:normAutofit lnSpcReduction="10000"/>
-          </a:bodyPr>
-          <a:lstStyle/>
-          <a:p>
-            <a:r>
-              <a:rPr lang="en-US" dirty="0"/>
-              <a:t>I sometimes make changes to assignments during the semester.</a:t>
-            </a:r>
-          </a:p>
-          <a:p>
-            <a:pPr lvl="1"/>
-            <a:r>
-              <a:rPr lang="en-US" dirty="0"/>
-              <a:t>AWS may make changes to their console or API.</a:t>
-            </a:r>
-          </a:p>
-          <a:p>
-            <a:pPr lvl="1"/>
-            <a:r>
-              <a:rPr lang="en-US" dirty="0"/>
-              <a:t>Students may discover bugs in assignment instructions.</a:t>
-            </a:r>
-          </a:p>
-          <a:p>
-            <a:endParaRPr lang="en-US" dirty="0"/>
-          </a:p>
-          <a:p>
-            <a:r>
-              <a:rPr lang="en-US" dirty="0"/>
-              <a:t>I will publish any assignment changes to GitHub and Slack.</a:t>
-            </a:r>
-          </a:p>
-          <a:p>
-            <a:pPr lvl="1"/>
-            <a:r>
-              <a:rPr lang="en-US" dirty="0"/>
-              <a:t>If you clone or fork the class repository, you should pull updates weekly to ensure that you are reading the latest information.</a:t>
-            </a:r>
-          </a:p>
-          <a:p>
-            <a:pPr lvl="1"/>
-            <a:endParaRPr lang="en-US" dirty="0"/>
-          </a:p>
-          <a:p>
-            <a:pPr lvl="1"/>
-            <a:r>
-              <a:rPr lang="en-US" dirty="0"/>
-              <a:t>Warning: If you decide to work on a homework assignment which has not been assigned yet, there is always a possibility that I will change that assignment. </a:t>
-            </a:r>
-          </a:p>
-          <a:p>
-            <a:endParaRPr lang="en-US" dirty="0"/>
-          </a:p>
-          <a:p>
-            <a:endParaRPr lang="en-US" dirty="0"/>
-          </a:p>
-        </p:txBody>
-      </p:sp>
-    </p:spTree>
-    <p:extLst>
-      <p:ext uri="{BB962C8B-B14F-4D97-AF65-F5344CB8AC3E}">
-        <p14:creationId xmlns:p14="http://schemas.microsoft.com/office/powerpoint/2010/main" val="3430002121"/>
-      </p:ext>
-    </p:extLst>
-  </p:cSld>
-  <p:clrMapOvr>
-    <a:masterClrMapping/>
-  </p:clrMapOvr>
-</p:sld>
-</file>
-
-<file path=ppt/slides/slide4.xml><?xml version="1.0" encoding="utf-8"?>
-<p:sld xmlns:a="http://schemas.openxmlformats.org/drawingml/2006/main" xmlns:r="http://schemas.openxmlformats.org/officeDocument/2006/relationships" xmlns:p="http://schemas.openxmlformats.org/presentationml/2006/main">
-  <p:cSld>
-    <p:spTree>
-      <p:nvGrpSpPr>
-        <p:cNvPr id="1" name=""/>
-        <p:cNvGrpSpPr/>
-        <p:nvPr/>
-      </p:nvGrpSpPr>
-      <p:grpSpPr>
-        <a:xfrm>
-          <a:off x="0" y="0"/>
-          <a:ext cx="0" cy="0"/>
-          <a:chOff x="0" y="0"/>
-          <a:chExt cx="0" cy="0"/>
-        </a:xfrm>
-      </p:grpSpPr>
-      <p:sp>
-        <p:nvSpPr>
-          <p:cNvPr id="2" name="Title 1">
-            <a:extLst>
-              <a:ext uri="{FF2B5EF4-FFF2-40B4-BE49-F238E27FC236}">
-                <a16:creationId xmlns:a16="http://schemas.microsoft.com/office/drawing/2014/main" id="{A033D01D-7A37-0549-BEEF-7BB6DDD72D31}"/>
-              </a:ext>
-            </a:extLst>
-          </p:cNvPr>
-          <p:cNvSpPr>
-            <a:spLocks noGrp="1"/>
-          </p:cNvSpPr>
-          <p:nvPr>
-            <p:ph type="title"/>
-          </p:nvPr>
-        </p:nvSpPr>
-        <p:spPr/>
-        <p:txBody>
-          <a:bodyPr/>
-          <a:lstStyle/>
-          <a:p>
-            <a:r>
-              <a:rPr lang="en-US" dirty="0"/>
-              <a:t>Lecture review</a:t>
-            </a:r>
-          </a:p>
-        </p:txBody>
-      </p:sp>
-      <p:sp>
-        <p:nvSpPr>
-          <p:cNvPr id="3" name="Content Placeholder 2">
-            <a:extLst>
-              <a:ext uri="{FF2B5EF4-FFF2-40B4-BE49-F238E27FC236}">
-                <a16:creationId xmlns:a16="http://schemas.microsoft.com/office/drawing/2014/main" id="{B53DE423-88A3-D640-9F82-4342BFA31095}"/>
-              </a:ext>
-            </a:extLst>
-          </p:cNvPr>
-          <p:cNvSpPr>
-            <a:spLocks noGrp="1"/>
-          </p:cNvSpPr>
-          <p:nvPr>
-            <p:ph idx="1"/>
-          </p:nvPr>
-        </p:nvSpPr>
-        <p:spPr/>
-        <p:txBody>
-          <a:bodyPr/>
-          <a:lstStyle/>
-          <a:p>
-            <a:r>
-              <a:rPr lang="en-US" dirty="0"/>
-              <a:t>Automate everything (left-over principle)</a:t>
-            </a:r>
-          </a:p>
-          <a:p>
-            <a:pPr lvl="1"/>
-            <a:r>
-              <a:rPr lang="en-US" dirty="0"/>
-              <a:t>Focus on automating constraints first</a:t>
-            </a:r>
-          </a:p>
-          <a:p>
-            <a:pPr marL="457200" lvl="1" indent="0">
-              <a:buNone/>
-            </a:pPr>
-            <a:endParaRPr lang="en-US" dirty="0"/>
-          </a:p>
-          <a:p>
-            <a:r>
-              <a:rPr lang="en-US" dirty="0"/>
-              <a:t>Writing shell scripts</a:t>
-            </a:r>
-          </a:p>
-          <a:p>
-            <a:pPr lvl="1"/>
-            <a:r>
-              <a:rPr lang="en-US" dirty="0"/>
-              <a:t>Shell text files must begin with #!/bin/bash</a:t>
-            </a:r>
-          </a:p>
-          <a:p>
-            <a:pPr lvl="1"/>
-            <a:r>
-              <a:rPr lang="en-US" dirty="0"/>
-              <a:t>Variables are not typed</a:t>
-            </a:r>
-          </a:p>
-          <a:p>
-            <a:pPr lvl="1"/>
-            <a:r>
-              <a:rPr lang="en-US" dirty="0"/>
-              <a:t>Set and print a value (spaces matter!)</a:t>
-            </a:r>
-          </a:p>
-          <a:p>
-            <a:pPr lvl="1"/>
-            <a:r>
-              <a:rPr lang="en-US" dirty="0"/>
-              <a:t>Special built-in environment variables: $HOSTNAME, $1, $2, $3….</a:t>
-            </a:r>
-          </a:p>
-          <a:p>
-            <a:pPr lvl="1"/>
-            <a:r>
-              <a:rPr lang="en-US" dirty="0"/>
-              <a:t>Conditionals</a:t>
-            </a:r>
-          </a:p>
-          <a:p>
-            <a:pPr lvl="1"/>
-            <a:r>
-              <a:rPr lang="en-US" dirty="0"/>
-              <a:t>Loops</a:t>
-            </a:r>
-          </a:p>
-          <a:p>
-            <a:endParaRPr lang="en-US" dirty="0"/>
-          </a:p>
-        </p:txBody>
-      </p:sp>
-    </p:spTree>
-    <p:extLst>
-      <p:ext uri="{BB962C8B-B14F-4D97-AF65-F5344CB8AC3E}">
-        <p14:creationId xmlns:p14="http://schemas.microsoft.com/office/powerpoint/2010/main" val="776521976"/>
-      </p:ext>
-    </p:extLst>
-  </p:cSld>
-  <p:clrMapOvr>
-    <a:masterClrMapping/>
-  </p:clrMapOvr>
-</p:sld>
-</file>
-
 <file path=ppt/slides/slide5.xml><?xml version="1.0" encoding="utf-8"?>
 <p:sld xmlns:a="http://schemas.openxmlformats.org/drawingml/2006/main" xmlns:r="http://schemas.openxmlformats.org/officeDocument/2006/relationships" xmlns:p="http://schemas.openxmlformats.org/presentationml/2006/main">
   <p:cSld>
@@ -3942,7 +3955,7 @@
           <p:cNvPr id="2" name="Title 1">
             <a:extLst>
               <a:ext uri="{FF2B5EF4-FFF2-40B4-BE49-F238E27FC236}">
-                <a16:creationId xmlns:a16="http://schemas.microsoft.com/office/drawing/2014/main" id="{6A404036-220F-C042-816E-D9472B8EE88D}"/>
+                <a16:creationId xmlns:a16="http://schemas.microsoft.com/office/drawing/2014/main" id="{A033D01D-7A37-0549-BEEF-7BB6DDD72D31}"/>
               </a:ext>
             </a:extLst>
           </p:cNvPr>
@@ -3970,7 +3983,7 @@
           <p:cNvPr id="3" name="Content Placeholder 2">
             <a:extLst>
               <a:ext uri="{FF2B5EF4-FFF2-40B4-BE49-F238E27FC236}">
-                <a16:creationId xmlns:a16="http://schemas.microsoft.com/office/drawing/2014/main" id="{629253E4-97A2-1847-BE69-53B2CDCAE17D}"/>
+                <a16:creationId xmlns:a16="http://schemas.microsoft.com/office/drawing/2014/main" id="{B53DE423-88A3-D640-9F82-4342BFA31095}"/>
               </a:ext>
             </a:extLst>
           </p:cNvPr>
@@ -3983,112 +3996,73 @@
         </p:nvSpPr>
         <p:spPr/>
         <p:txBody>
-          <a:bodyPr>
-            <a:normAutofit fontScale="92500" lnSpcReduction="10000"/>
-          </a:bodyPr>
-          <a:lstStyle/>
-          <a:p>
-            <a:r>
-              <a:rPr lang="en-US" dirty="0"/>
-              <a:t>Linux</a:t>
+          <a:bodyPr/>
+          <a:lstStyle/>
+          <a:p>
+            <a:r>
+              <a:rPr lang="en-US" dirty="0"/>
+              <a:t>Automate everything (left-over principle)</a:t>
             </a:r>
           </a:p>
           <a:p>
             <a:pPr lvl="1"/>
             <a:r>
               <a:rPr lang="en-US" dirty="0"/>
-              <a:t>Linux file system</a:t>
+              <a:t>Focus on automating constraints first</a:t>
+            </a:r>
+          </a:p>
+          <a:p>
+            <a:pPr marL="457200" lvl="1" indent="0">
+              <a:buNone/>
+            </a:pPr>
+            <a:endParaRPr lang="en-US" dirty="0"/>
+          </a:p>
+          <a:p>
+            <a:r>
+              <a:rPr lang="en-US" dirty="0"/>
+              <a:t>Writing shell scripts</a:t>
             </a:r>
           </a:p>
           <a:p>
             <a:pPr lvl="1"/>
             <a:r>
               <a:rPr lang="en-US" dirty="0"/>
-              <a:t>Linux file permissions</a:t>
+              <a:t>Shell text files must begin with #!/bin/bash</a:t>
             </a:r>
           </a:p>
           <a:p>
             <a:pPr lvl="1"/>
             <a:r>
               <a:rPr lang="en-US" dirty="0"/>
-              <a:t>File names are case sensitive, dot extensions are meaningless</a:t>
+              <a:t>Variables are not typed</a:t>
             </a:r>
           </a:p>
           <a:p>
             <a:pPr lvl="1"/>
             <a:r>
               <a:rPr lang="en-US" dirty="0"/>
-              <a:t>File system commands:</a:t>
-            </a:r>
-          </a:p>
-          <a:p>
-            <a:pPr lvl="2"/>
-            <a:r>
-              <a:rPr lang="en-US" dirty="0"/>
-              <a:t>ls, cd, </a:t>
-            </a:r>
-            <a:r>
-              <a:rPr lang="en-US" dirty="0" err="1"/>
-              <a:t>pwd</a:t>
-            </a:r>
-            <a:r>
-              <a:rPr lang="en-US" dirty="0"/>
-              <a:t>, </a:t>
-            </a:r>
-            <a:r>
-              <a:rPr lang="en-US" dirty="0" err="1"/>
-              <a:t>mkdir</a:t>
-            </a:r>
-            <a:r>
-              <a:rPr lang="en-US" dirty="0"/>
-              <a:t>, touch, cp, rm, mv, </a:t>
-            </a:r>
-            <a:r>
-              <a:rPr lang="en-US" dirty="0" err="1"/>
-              <a:t>chown</a:t>
-            </a:r>
-            <a:r>
-              <a:rPr lang="en-US" dirty="0"/>
-              <a:t>, </a:t>
-            </a:r>
-            <a:r>
-              <a:rPr lang="en-US" dirty="0" err="1"/>
-              <a:t>chmod</a:t>
-            </a:r>
-            <a:r>
-              <a:rPr lang="en-US" dirty="0"/>
-              <a:t>, </a:t>
-            </a:r>
-            <a:r>
-              <a:rPr lang="en-US" dirty="0" err="1"/>
-              <a:t>nano</a:t>
-            </a:r>
-            <a:endParaRPr lang="en-US" dirty="0"/>
-          </a:p>
-          <a:p>
-            <a:endParaRPr lang="en-US" dirty="0"/>
-          </a:p>
-          <a:p>
-            <a:r>
-              <a:rPr lang="en-US" dirty="0"/>
-              <a:t>IO redirection</a:t>
+              <a:t>Set and print a value (spaces matter!)</a:t>
             </a:r>
           </a:p>
           <a:p>
             <a:pPr lvl="1"/>
             <a:r>
               <a:rPr lang="en-US" dirty="0"/>
-              <a:t>Redirect output (&gt;), Redirect input (&lt;), Pipe (|)</a:t>
+              <a:t>Special built-in environment variables: $HOSTNAME, $1, $2, $3….</a:t>
             </a:r>
           </a:p>
           <a:p>
             <a:pPr lvl="1"/>
-            <a:endParaRPr lang="en-US" dirty="0"/>
-          </a:p>
-          <a:p>
-            <a:r>
-              <a:rPr lang="en-US" dirty="0"/>
-              <a:t>Service management</a:t>
+            <a:r>
+              <a:rPr lang="en-US" dirty="0"/>
+              <a:t>Conditionals</a:t>
+            </a:r>
+          </a:p>
+          <a:p>
+            <a:pPr lvl="1"/>
+            <a:r>
+              <a:rPr lang="en-US" dirty="0"/>
+              <a:t>Loops</a:t>
             </a:r>
           </a:p>
           <a:p>
@@ -4099,7 +4073,7 @@
     </p:spTree>
     <p:extLst>
       <p:ext uri="{BB962C8B-B14F-4D97-AF65-F5344CB8AC3E}">
-        <p14:creationId xmlns:p14="http://schemas.microsoft.com/office/powerpoint/2010/main" val="2865591885"/>
+        <p14:creationId xmlns:p14="http://schemas.microsoft.com/office/powerpoint/2010/main" val="776521976"/>
       </p:ext>
     </p:extLst>
   </p:cSld>
@@ -4131,6 +4105,195 @@
           <p:cNvPr id="2" name="Title 1">
             <a:extLst>
               <a:ext uri="{FF2B5EF4-FFF2-40B4-BE49-F238E27FC236}">
+                <a16:creationId xmlns:a16="http://schemas.microsoft.com/office/drawing/2014/main" id="{6A404036-220F-C042-816E-D9472B8EE88D}"/>
+              </a:ext>
+            </a:extLst>
+          </p:cNvPr>
+          <p:cNvSpPr>
+            <a:spLocks noGrp="1"/>
+          </p:cNvSpPr>
+          <p:nvPr>
+            <p:ph type="title"/>
+          </p:nvPr>
+        </p:nvSpPr>
+        <p:spPr/>
+        <p:txBody>
+          <a:bodyPr/>
+          <a:lstStyle/>
+          <a:p>
+            <a:r>
+              <a:rPr lang="en-US" dirty="0"/>
+              <a:t>Lecture review</a:t>
+            </a:r>
+          </a:p>
+        </p:txBody>
+      </p:sp>
+      <p:sp>
+        <p:nvSpPr>
+          <p:cNvPr id="3" name="Content Placeholder 2">
+            <a:extLst>
+              <a:ext uri="{FF2B5EF4-FFF2-40B4-BE49-F238E27FC236}">
+                <a16:creationId xmlns:a16="http://schemas.microsoft.com/office/drawing/2014/main" id="{629253E4-97A2-1847-BE69-53B2CDCAE17D}"/>
+              </a:ext>
+            </a:extLst>
+          </p:cNvPr>
+          <p:cNvSpPr>
+            <a:spLocks noGrp="1"/>
+          </p:cNvSpPr>
+          <p:nvPr>
+            <p:ph idx="1"/>
+          </p:nvPr>
+        </p:nvSpPr>
+        <p:spPr/>
+        <p:txBody>
+          <a:bodyPr>
+            <a:normAutofit fontScale="92500" lnSpcReduction="10000"/>
+          </a:bodyPr>
+          <a:lstStyle/>
+          <a:p>
+            <a:r>
+              <a:rPr lang="en-US" dirty="0"/>
+              <a:t>Linux</a:t>
+            </a:r>
+          </a:p>
+          <a:p>
+            <a:pPr lvl="1"/>
+            <a:r>
+              <a:rPr lang="en-US" dirty="0"/>
+              <a:t>Linux file system</a:t>
+            </a:r>
+          </a:p>
+          <a:p>
+            <a:pPr lvl="1"/>
+            <a:r>
+              <a:rPr lang="en-US" dirty="0"/>
+              <a:t>Linux file permissions</a:t>
+            </a:r>
+          </a:p>
+          <a:p>
+            <a:pPr lvl="1"/>
+            <a:r>
+              <a:rPr lang="en-US" dirty="0"/>
+              <a:t>File names are case sensitive, dot extensions are meaningless</a:t>
+            </a:r>
+          </a:p>
+          <a:p>
+            <a:pPr lvl="1"/>
+            <a:r>
+              <a:rPr lang="en-US" dirty="0"/>
+              <a:t>File system commands:</a:t>
+            </a:r>
+          </a:p>
+          <a:p>
+            <a:pPr lvl="2"/>
+            <a:r>
+              <a:rPr lang="en-US" dirty="0"/>
+              <a:t>ls, cd, </a:t>
+            </a:r>
+            <a:r>
+              <a:rPr lang="en-US" dirty="0" err="1"/>
+              <a:t>pwd</a:t>
+            </a:r>
+            <a:r>
+              <a:rPr lang="en-US" dirty="0"/>
+              <a:t>, </a:t>
+            </a:r>
+            <a:r>
+              <a:rPr lang="en-US" dirty="0" err="1"/>
+              <a:t>mkdir</a:t>
+            </a:r>
+            <a:r>
+              <a:rPr lang="en-US" dirty="0"/>
+              <a:t>, touch, cp, rm, mv, </a:t>
+            </a:r>
+            <a:r>
+              <a:rPr lang="en-US" dirty="0" err="1"/>
+              <a:t>chown</a:t>
+            </a:r>
+            <a:r>
+              <a:rPr lang="en-US" dirty="0"/>
+              <a:t>, </a:t>
+            </a:r>
+            <a:r>
+              <a:rPr lang="en-US" dirty="0" err="1"/>
+              <a:t>chmod</a:t>
+            </a:r>
+            <a:r>
+              <a:rPr lang="en-US" dirty="0"/>
+              <a:t>, </a:t>
+            </a:r>
+            <a:r>
+              <a:rPr lang="en-US" dirty="0" err="1"/>
+              <a:t>nano</a:t>
+            </a:r>
+            <a:endParaRPr lang="en-US" dirty="0"/>
+          </a:p>
+          <a:p>
+            <a:endParaRPr lang="en-US" dirty="0"/>
+          </a:p>
+          <a:p>
+            <a:r>
+              <a:rPr lang="en-US" dirty="0"/>
+              <a:t>IO redirection</a:t>
+            </a:r>
+          </a:p>
+          <a:p>
+            <a:pPr lvl="1"/>
+            <a:r>
+              <a:rPr lang="en-US" dirty="0"/>
+              <a:t>Redirect output (&gt;), Redirect input (&lt;), Pipe (|)</a:t>
+            </a:r>
+          </a:p>
+          <a:p>
+            <a:pPr lvl="1"/>
+            <a:endParaRPr lang="en-US" dirty="0"/>
+          </a:p>
+          <a:p>
+            <a:r>
+              <a:rPr lang="en-US" dirty="0"/>
+              <a:t>Service management</a:t>
+            </a:r>
+          </a:p>
+          <a:p>
+            <a:endParaRPr lang="en-US" dirty="0"/>
+          </a:p>
+        </p:txBody>
+      </p:sp>
+    </p:spTree>
+    <p:extLst>
+      <p:ext uri="{BB962C8B-B14F-4D97-AF65-F5344CB8AC3E}">
+        <p14:creationId xmlns:p14="http://schemas.microsoft.com/office/powerpoint/2010/main" val="2865591885"/>
+      </p:ext>
+    </p:extLst>
+  </p:cSld>
+  <p:clrMapOvr>
+    <a:masterClrMapping/>
+  </p:clrMapOvr>
+</p:sld>
+</file>
+
+<file path=ppt/slides/slide7.xml><?xml version="1.0" encoding="utf-8"?>
+<p:sld xmlns:a="http://schemas.openxmlformats.org/drawingml/2006/main" xmlns:r="http://schemas.openxmlformats.org/officeDocument/2006/relationships" xmlns:p="http://schemas.openxmlformats.org/presentationml/2006/main">
+  <p:cSld>
+    <p:spTree>
+      <p:nvGrpSpPr>
+        <p:cNvPr id="1" name=""/>
+        <p:cNvGrpSpPr/>
+        <p:nvPr/>
+      </p:nvGrpSpPr>
+      <p:grpSpPr>
+        <a:xfrm>
+          <a:off x="0" y="0"/>
+          <a:ext cx="0" cy="0"/>
+          <a:chOff x="0" y="0"/>
+          <a:chExt cx="0" cy="0"/>
+        </a:xfrm>
+      </p:grpSpPr>
+      <p:sp>
+        <p:nvSpPr>
+          <p:cNvPr id="2" name="Title 1">
+            <a:extLst>
+              <a:ext uri="{FF2B5EF4-FFF2-40B4-BE49-F238E27FC236}">
                 <a16:creationId xmlns:a16="http://schemas.microsoft.com/office/drawing/2014/main" id="{B9396E93-B093-A14B-B3CA-BF43E8441E14}"/>
               </a:ext>
             </a:extLst>
@@ -4229,7 +4392,7 @@
 </p:sld>
 </file>
 
-<file path=ppt/slides/slide7.xml><?xml version="1.0" encoding="utf-8"?>
+<file path=ppt/slides/slide8.xml><?xml version="1.0" encoding="utf-8"?>
 <p:sld xmlns:a="http://schemas.openxmlformats.org/drawingml/2006/main" xmlns:r="http://schemas.openxmlformats.org/officeDocument/2006/relationships" xmlns:p="http://schemas.openxmlformats.org/presentationml/2006/main">
   <p:cSld>
     <p:spTree>

--- a/review/lecture-review-week-2.pptx
+++ b/review/lecture-review-week-2.pptx
@@ -266,7 +266,7 @@
           <a:p>
             <a:fld id="{BCCA4D00-8A20-4344-9629-C2410E08CC07}" type="datetimeFigureOut">
               <a:rPr lang="en-US" smtClean="0"/>
-              <a:t>9/20/21</a:t>
+              <a:t>9/21/21</a:t>
             </a:fld>
             <a:endParaRPr lang="en-US"/>
           </a:p>
@@ -464,7 +464,7 @@
           <a:p>
             <a:fld id="{BCCA4D00-8A20-4344-9629-C2410E08CC07}" type="datetimeFigureOut">
               <a:rPr lang="en-US" smtClean="0"/>
-              <a:t>9/20/21</a:t>
+              <a:t>9/21/21</a:t>
             </a:fld>
             <a:endParaRPr lang="en-US"/>
           </a:p>
@@ -672,7 +672,7 @@
           <a:p>
             <a:fld id="{BCCA4D00-8A20-4344-9629-C2410E08CC07}" type="datetimeFigureOut">
               <a:rPr lang="en-US" smtClean="0"/>
-              <a:t>9/20/21</a:t>
+              <a:t>9/21/21</a:t>
             </a:fld>
             <a:endParaRPr lang="en-US"/>
           </a:p>
@@ -870,7 +870,7 @@
           <a:p>
             <a:fld id="{BCCA4D00-8A20-4344-9629-C2410E08CC07}" type="datetimeFigureOut">
               <a:rPr lang="en-US" smtClean="0"/>
-              <a:t>9/20/21</a:t>
+              <a:t>9/21/21</a:t>
             </a:fld>
             <a:endParaRPr lang="en-US"/>
           </a:p>
@@ -1145,7 +1145,7 @@
           <a:p>
             <a:fld id="{BCCA4D00-8A20-4344-9629-C2410E08CC07}" type="datetimeFigureOut">
               <a:rPr lang="en-US" smtClean="0"/>
-              <a:t>9/20/21</a:t>
+              <a:t>9/21/21</a:t>
             </a:fld>
             <a:endParaRPr lang="en-US"/>
           </a:p>
@@ -1410,7 +1410,7 @@
           <a:p>
             <a:fld id="{BCCA4D00-8A20-4344-9629-C2410E08CC07}" type="datetimeFigureOut">
               <a:rPr lang="en-US" smtClean="0"/>
-              <a:t>9/20/21</a:t>
+              <a:t>9/21/21</a:t>
             </a:fld>
             <a:endParaRPr lang="en-US"/>
           </a:p>
@@ -1822,7 +1822,7 @@
           <a:p>
             <a:fld id="{BCCA4D00-8A20-4344-9629-C2410E08CC07}" type="datetimeFigureOut">
               <a:rPr lang="en-US" smtClean="0"/>
-              <a:t>9/20/21</a:t>
+              <a:t>9/21/21</a:t>
             </a:fld>
             <a:endParaRPr lang="en-US"/>
           </a:p>
@@ -1963,7 +1963,7 @@
           <a:p>
             <a:fld id="{BCCA4D00-8A20-4344-9629-C2410E08CC07}" type="datetimeFigureOut">
               <a:rPr lang="en-US" smtClean="0"/>
-              <a:t>9/20/21</a:t>
+              <a:t>9/21/21</a:t>
             </a:fld>
             <a:endParaRPr lang="en-US"/>
           </a:p>
@@ -2076,7 +2076,7 @@
           <a:p>
             <a:fld id="{BCCA4D00-8A20-4344-9629-C2410E08CC07}" type="datetimeFigureOut">
               <a:rPr lang="en-US" smtClean="0"/>
-              <a:t>9/20/21</a:t>
+              <a:t>9/21/21</a:t>
             </a:fld>
             <a:endParaRPr lang="en-US"/>
           </a:p>
@@ -2387,7 +2387,7 @@
           <a:p>
             <a:fld id="{BCCA4D00-8A20-4344-9629-C2410E08CC07}" type="datetimeFigureOut">
               <a:rPr lang="en-US" smtClean="0"/>
-              <a:t>9/20/21</a:t>
+              <a:t>9/21/21</a:t>
             </a:fld>
             <a:endParaRPr lang="en-US"/>
           </a:p>
@@ -2675,7 +2675,7 @@
           <a:p>
             <a:fld id="{BCCA4D00-8A20-4344-9629-C2410E08CC07}" type="datetimeFigureOut">
               <a:rPr lang="en-US" smtClean="0"/>
-              <a:t>9/20/21</a:t>
+              <a:t>9/21/21</a:t>
             </a:fld>
             <a:endParaRPr lang="en-US"/>
           </a:p>
@@ -2916,7 +2916,7 @@
           <a:p>
             <a:fld id="{BCCA4D00-8A20-4344-9629-C2410E08CC07}" type="datetimeFigureOut">
               <a:rPr lang="en-US" smtClean="0"/>
-              <a:t>9/20/21</a:t>
+              <a:t>9/21/21</a:t>
             </a:fld>
             <a:endParaRPr lang="en-US"/>
           </a:p>
@@ -3679,15 +3679,7 @@
           <a:p>
             <a:r>
               <a:rPr lang="en-US" dirty="0"/>
-              <a:t>Classes used Secure Shell (SSH) to access EC2 instances the past 5</a:t>
-            </a:r>
-            <a:r>
-              <a:rPr lang="en-US" u="sng" dirty="0"/>
-              <a:t> </a:t>
-            </a:r>
-            <a:r>
-              <a:rPr lang="en-US" dirty="0"/>
-              <a:t>years which required:</a:t>
+              <a:t>Classes used Secure Shell (SSH) to access EC2 instances the past 5 years which required:</a:t>
             </a:r>
           </a:p>
           <a:p>
@@ -3742,13 +3734,8 @@
           <a:p>
             <a:r>
               <a:rPr lang="en-US" dirty="0"/>
-              <a:t>Some videos and documents may still reference SSH, and these references will be removed </a:t>
-            </a:r>
-            <a:r>
-              <a:rPr lang="en-US"/>
-              <a:t>over time.</a:t>
-            </a:r>
-            <a:endParaRPr lang="en-US" dirty="0"/>
+              <a:t>Some videos and documents may still reference SSH, and these references will be removed over time.</a:t>
+            </a:r>
           </a:p>
           <a:p>
             <a:endParaRPr lang="en-US" dirty="0"/>
